--- a/BootEE.pptx
+++ b/BootEE.pptx
@@ -2,7 +2,7 @@
 <file path=ppt/presentation.xml><?xml version="1.0" encoding="utf-8"?>
 <p:presentation xmlns:a="http://schemas.openxmlformats.org/drawingml/2006/main" xmlns:r="http://schemas.openxmlformats.org/officeDocument/2006/relationships" xmlns:p="http://schemas.openxmlformats.org/presentationml/2006/main" saveSubsetFonts="1" autoCompressPictures="0">
   <p:sldMasterIdLst>
-    <p:sldMasterId id="2147483648" r:id="rId1"/>
+    <p:sldMasterId id="2147483668" r:id="rId1"/>
   </p:sldMasterIdLst>
   <p:sldIdLst>
     <p:sldId id="256" r:id="rId2"/>
@@ -14,6 +14,10 @@
     <p:sldId id="262" r:id="rId8"/>
     <p:sldId id="263" r:id="rId9"/>
     <p:sldId id="264" r:id="rId10"/>
+    <p:sldId id="265" r:id="rId11"/>
+    <p:sldId id="266" r:id="rId12"/>
+    <p:sldId id="268" r:id="rId13"/>
+    <p:sldId id="267" r:id="rId14"/>
   </p:sldIdLst>
   <p:sldSz cx="12192000" cy="6858000"/>
   <p:notesSz cx="6858000" cy="9144000"/>
@@ -112,6 +116,11 @@
       </a:defRPr>
     </a:lvl9pPr>
   </p:defaultTextStyle>
+  <p:extLst>
+    <p:ext uri="{EFAFB233-063F-42B5-8137-9DF3F51BA10A}">
+      <p15:sldGuideLst xmlns:p15="http://schemas.microsoft.com/office/powerpoint/2012/main"/>
+    </p:ext>
+  </p:extLst>
 </p:presentation>
 </file>
 
@@ -134,7 +143,7 @@
       </p:grpSpPr>
       <p:grpSp>
         <p:nvGrpSpPr>
-          <p:cNvPr id="7" name="Group 6"/>
+          <p:cNvPr id="16" name="Group 15"/>
           <p:cNvGrpSpPr/>
           <p:nvPr/>
         </p:nvGrpSpPr>
@@ -146,9 +155,72 @@
             <a:chExt cx="12192000" cy="6866467"/>
           </a:xfrm>
         </p:grpSpPr>
+        <p:sp>
+          <p:nvSpPr>
+            <p:cNvPr id="15" name="Freeform 14"/>
+            <p:cNvSpPr/>
+            <p:nvPr/>
+          </p:nvSpPr>
+          <p:spPr>
+            <a:xfrm>
+              <a:off x="0" y="-7862"/>
+              <a:ext cx="863600" cy="5698067"/>
+            </a:xfrm>
+            <a:custGeom>
+              <a:avLst/>
+              <a:gdLst/>
+              <a:ahLst/>
+              <a:cxnLst/>
+              <a:rect l="l" t="t" r="r" b="b"/>
+              <a:pathLst>
+                <a:path w="863600" h="5698067">
+                  <a:moveTo>
+                    <a:pt x="0" y="8467"/>
+                  </a:moveTo>
+                  <a:lnTo>
+                    <a:pt x="863600" y="0"/>
+                  </a:lnTo>
+                  <a:lnTo>
+                    <a:pt x="863600" y="16934"/>
+                  </a:lnTo>
+                  <a:lnTo>
+                    <a:pt x="0" y="5698067"/>
+                  </a:lnTo>
+                  <a:lnTo>
+                    <a:pt x="0" y="8467"/>
+                  </a:lnTo>
+                  <a:close/>
+                </a:path>
+              </a:pathLst>
+            </a:custGeom>
+            <a:solidFill>
+              <a:schemeClr val="accent1">
+                <a:alpha val="70000"/>
+              </a:schemeClr>
+            </a:solidFill>
+            <a:ln>
+              <a:noFill/>
+            </a:ln>
+            <a:effectLst/>
+          </p:spPr>
+          <p:style>
+            <a:lnRef idx="1">
+              <a:schemeClr val="accent1"/>
+            </a:lnRef>
+            <a:fillRef idx="3">
+              <a:schemeClr val="accent1"/>
+            </a:fillRef>
+            <a:effectRef idx="2">
+              <a:schemeClr val="accent1"/>
+            </a:effectRef>
+            <a:fontRef idx="minor">
+              <a:schemeClr val="lt1"/>
+            </a:fontRef>
+          </p:style>
+        </p:sp>
         <p:cxnSp>
           <p:nvCxnSpPr>
-            <p:cNvPr id="32" name="Straight Connector 31"/>
+            <p:cNvPr id="19" name="Straight Connector 18"/>
             <p:cNvCxnSpPr/>
             <p:nvPr/>
           </p:nvCxnSpPr>
@@ -162,8 +234,8 @@
             </a:prstGeom>
             <a:ln w="9525">
               <a:solidFill>
-                <a:schemeClr val="bg1">
-                  <a:lumMod val="75000"/>
+                <a:schemeClr val="accent1">
+                  <a:alpha val="70000"/>
                 </a:schemeClr>
               </a:solidFill>
             </a:ln>
@@ -185,7 +257,7 @@
         </p:cxnSp>
         <p:cxnSp>
           <p:nvCxnSpPr>
-            <p:cNvPr id="21" name="Straight Connector 20"/>
+            <p:cNvPr id="20" name="Straight Connector 19"/>
             <p:cNvCxnSpPr/>
             <p:nvPr/>
           </p:nvCxnSpPr>
@@ -199,8 +271,8 @@
             </a:prstGeom>
             <a:ln w="9525">
               <a:solidFill>
-                <a:schemeClr val="bg1">
-                  <a:lumMod val="85000"/>
+                <a:schemeClr val="accent1">
+                  <a:alpha val="70000"/>
                 </a:schemeClr>
               </a:solidFill>
             </a:ln>
@@ -222,7 +294,7 @@
         </p:cxnSp>
         <p:sp>
           <p:nvSpPr>
-            <p:cNvPr id="24" name="Rectangle 23"/>
+            <p:cNvPr id="21" name="Rectangle 23"/>
             <p:cNvSpPr/>
             <p:nvPr/>
           </p:nvSpPr>
@@ -260,7 +332,7 @@
             </a:custGeom>
             <a:solidFill>
               <a:schemeClr val="accent1">
-                <a:alpha val="30000"/>
+                <a:alpha val="36000"/>
               </a:schemeClr>
             </a:solidFill>
             <a:ln>
@@ -285,7 +357,7 @@
         </p:sp>
         <p:sp>
           <p:nvSpPr>
-            <p:cNvPr id="26" name="Rectangle 25"/>
+            <p:cNvPr id="22" name="Rectangle 25"/>
             <p:cNvSpPr/>
             <p:nvPr/>
           </p:nvSpPr>
@@ -348,7 +420,7 @@
         </p:sp>
         <p:sp>
           <p:nvSpPr>
-            <p:cNvPr id="27" name="Isosceles Triangle 26"/>
+            <p:cNvPr id="23" name="Isosceles Triangle 22"/>
             <p:cNvSpPr/>
             <p:nvPr/>
           </p:nvSpPr>
@@ -363,8 +435,9 @@
               </a:avLst>
             </a:prstGeom>
             <a:solidFill>
-              <a:schemeClr val="accent2">
-                <a:alpha val="72000"/>
+              <a:schemeClr val="accent1">
+                <a:lumMod val="75000"/>
+                <a:alpha val="66000"/>
               </a:schemeClr>
             </a:solidFill>
             <a:ln>
@@ -389,7 +462,7 @@
         </p:sp>
         <p:sp>
           <p:nvSpPr>
-            <p:cNvPr id="28" name="Rectangle 27"/>
+            <p:cNvPr id="24" name="Rectangle 27"/>
             <p:cNvSpPr/>
             <p:nvPr/>
           </p:nvSpPr>
@@ -426,9 +499,9 @@
               </a:pathLst>
             </a:custGeom>
             <a:solidFill>
-              <a:schemeClr val="accent2">
+              <a:schemeClr val="accent1">
                 <a:lumMod val="75000"/>
-                <a:alpha val="70000"/>
+                <a:alpha val="50000"/>
               </a:schemeClr>
             </a:solidFill>
             <a:ln>
@@ -453,7 +526,7 @@
         </p:sp>
         <p:sp>
           <p:nvSpPr>
-            <p:cNvPr id="29" name="Rectangle 28"/>
+            <p:cNvPr id="25" name="Rectangle 28"/>
             <p:cNvSpPr/>
             <p:nvPr/>
           </p:nvSpPr>
@@ -490,9 +563,7 @@
               </a:pathLst>
             </a:custGeom>
             <a:solidFill>
-              <a:schemeClr val="accent1">
-                <a:lumMod val="60000"/>
-                <a:lumOff val="40000"/>
+              <a:schemeClr val="accent2">
                 <a:alpha val="70000"/>
               </a:schemeClr>
             </a:solidFill>
@@ -518,7 +589,7 @@
         </p:sp>
         <p:sp>
           <p:nvSpPr>
-            <p:cNvPr id="30" name="Rectangle 29"/>
+            <p:cNvPr id="26" name="Rectangle 29"/>
             <p:cNvSpPr/>
             <p:nvPr/>
           </p:nvSpPr>
@@ -555,48 +626,8 @@
               </a:pathLst>
             </a:custGeom>
             <a:solidFill>
-              <a:schemeClr val="accent1">
-                <a:alpha val="65000"/>
-              </a:schemeClr>
-            </a:solidFill>
-            <a:ln>
-              <a:noFill/>
-            </a:ln>
-            <a:effectLst/>
-          </p:spPr>
-          <p:style>
-            <a:lnRef idx="1">
-              <a:schemeClr val="accent1"/>
-            </a:lnRef>
-            <a:fillRef idx="3">
-              <a:schemeClr val="accent1"/>
-            </a:fillRef>
-            <a:effectRef idx="2">
-              <a:schemeClr val="accent1"/>
-            </a:effectRef>
-            <a:fontRef idx="minor">
-              <a:schemeClr val="lt1"/>
-            </a:fontRef>
-          </p:style>
-        </p:sp>
-        <p:sp>
-          <p:nvSpPr>
-            <p:cNvPr id="31" name="Isosceles Triangle 30"/>
-            <p:cNvSpPr/>
-            <p:nvPr/>
-          </p:nvSpPr>
-          <p:spPr>
-            <a:xfrm>
-              <a:off x="10371666" y="3589867"/>
-              <a:ext cx="1817159" cy="3268133"/>
-            </a:xfrm>
-            <a:prstGeom prst="triangle">
-              <a:avLst>
-                <a:gd name="adj" fmla="val 100000"/>
-              </a:avLst>
-            </a:prstGeom>
-            <a:solidFill>
-              <a:schemeClr val="accent1">
+              <a:schemeClr val="accent2">
+                <a:lumMod val="75000"/>
                 <a:alpha val="80000"/>
               </a:schemeClr>
             </a:solidFill>
@@ -622,14 +653,14 @@
         </p:sp>
         <p:sp>
           <p:nvSpPr>
-            <p:cNvPr id="19" name="Isosceles Triangle 18"/>
+            <p:cNvPr id="27" name="Isosceles Triangle 26"/>
             <p:cNvSpPr/>
             <p:nvPr/>
           </p:nvSpPr>
           <p:spPr>
-            <a:xfrm rot="10800000">
-              <a:off x="0" y="0"/>
-              <a:ext cx="842596" cy="5666154"/>
+            <a:xfrm>
+              <a:off x="10371666" y="3589867"/>
+              <a:ext cx="1817159" cy="3268133"/>
             </a:xfrm>
             <a:prstGeom prst="triangle">
               <a:avLst>
@@ -638,7 +669,8 @@
             </a:prstGeom>
             <a:solidFill>
               <a:schemeClr val="accent1">
-                <a:alpha val="85000"/>
+                <a:lumMod val="75000"/>
+                <a:alpha val="66000"/>
               </a:schemeClr>
             </a:solidFill>
             <a:ln>
@@ -836,9 +868,9 @@
           <a:lstStyle/>
           <a:p>
             <a:fld id="{B61BEF0D-F0BB-DE4B-95CE-6DB70DBA9567}" type="datetimeFigureOut">
-              <a:rPr lang="en-US" dirty="0"/>
+              <a:rPr lang="en-US" smtClean="0"/>
               <a:pPr/>
-              <a:t>9/14/16</a:t>
+              <a:t>9/16/16</a:t>
             </a:fld>
             <a:endParaRPr lang="en-US" dirty="0"/>
           </a:p>
@@ -879,7 +911,7 @@
           <a:lstStyle/>
           <a:p>
             <a:fld id="{D57F1E4F-1CFF-5643-939E-217C01CDF565}" type="slidenum">
-              <a:rPr lang="en-US" dirty="0"/>
+              <a:rPr lang="en-US" smtClean="0"/>
               <a:pPr/>
               <a:t>‹#›</a:t>
             </a:fld>
@@ -888,6 +920,11 @@
         </p:txBody>
       </p:sp>
     </p:spTree>
+    <p:extLst>
+      <p:ext uri="{BB962C8B-B14F-4D97-AF65-F5344CB8AC3E}">
+        <p14:creationId xmlns:p14="http://schemas.microsoft.com/office/powerpoint/2010/main" val="923161900"/>
+      </p:ext>
+    </p:extLst>
   </p:cSld>
   <p:clrMapOvr>
     <a:masterClrMapping/>
@@ -1084,9 +1121,9 @@
           <a:lstStyle/>
           <a:p>
             <a:fld id="{B61BEF0D-F0BB-DE4B-95CE-6DB70DBA9567}" type="datetimeFigureOut">
-              <a:rPr lang="en-US" dirty="0"/>
+              <a:rPr lang="en-US" smtClean="0"/>
               <a:pPr/>
-              <a:t>9/14/16</a:t>
+              <a:t>9/16/16</a:t>
             </a:fld>
             <a:endParaRPr lang="en-US" dirty="0"/>
           </a:p>
@@ -1127,7 +1164,7 @@
           <a:lstStyle/>
           <a:p>
             <a:fld id="{D57F1E4F-1CFF-5643-939E-217C01CDF565}" type="slidenum">
-              <a:rPr lang="en-US" dirty="0"/>
+              <a:rPr lang="en-US" smtClean="0"/>
               <a:pPr/>
               <a:t>‹#›</a:t>
             </a:fld>
@@ -1136,6 +1173,11 @@
         </p:txBody>
       </p:sp>
     </p:spTree>
+    <p:extLst>
+      <p:ext uri="{BB962C8B-B14F-4D97-AF65-F5344CB8AC3E}">
+        <p14:creationId xmlns:p14="http://schemas.microsoft.com/office/powerpoint/2010/main" val="1450191380"/>
+      </p:ext>
+    </p:extLst>
   </p:cSld>
   <p:clrMapOvr>
     <a:masterClrMapping/>
@@ -1395,9 +1437,9 @@
           <a:lstStyle/>
           <a:p>
             <a:fld id="{B61BEF0D-F0BB-DE4B-95CE-6DB70DBA9567}" type="datetimeFigureOut">
-              <a:rPr lang="en-US" dirty="0"/>
+              <a:rPr lang="en-US" smtClean="0"/>
               <a:pPr/>
-              <a:t>9/14/16</a:t>
+              <a:t>9/16/16</a:t>
             </a:fld>
             <a:endParaRPr lang="en-US" dirty="0"/>
           </a:p>
@@ -1438,7 +1480,7 @@
           <a:lstStyle/>
           <a:p>
             <a:fld id="{D57F1E4F-1CFF-5643-939E-217C01CDF565}" type="slidenum">
-              <a:rPr lang="en-US" dirty="0"/>
+              <a:rPr lang="en-US" smtClean="0"/>
               <a:pPr/>
               <a:t>‹#›</a:t>
             </a:fld>
@@ -1448,7 +1490,7 @@
       </p:sp>
       <p:sp>
         <p:nvSpPr>
-          <p:cNvPr id="20" name="TextBox 19"/>
+          <p:cNvPr id="24" name="TextBox 23"/>
           <p:cNvSpPr txBox="1"/>
           <p:nvPr/>
         </p:nvSpPr>
@@ -1489,7 +1531,7 @@
       </p:sp>
       <p:sp>
         <p:nvSpPr>
-          <p:cNvPr id="22" name="TextBox 21"/>
+          <p:cNvPr id="25" name="TextBox 24"/>
           <p:cNvSpPr txBox="1"/>
           <p:nvPr/>
         </p:nvSpPr>
@@ -1520,23 +1562,20 @@
                     <a:lumOff val="40000"/>
                   </a:schemeClr>
                 </a:solidFill>
+                <a:effectLst/>
                 <a:latin typeface="Arial"/>
               </a:rPr>
               <a:t>”</a:t>
             </a:r>
-            <a:endParaRPr lang="en-US" dirty="0">
-              <a:solidFill>
-                <a:schemeClr val="accent1">
-                  <a:lumMod val="60000"/>
-                  <a:lumOff val="40000"/>
-                </a:schemeClr>
-              </a:solidFill>
-              <a:latin typeface="Arial"/>
-            </a:endParaRPr>
           </a:p>
         </p:txBody>
       </p:sp>
     </p:spTree>
+    <p:extLst>
+      <p:ext uri="{BB962C8B-B14F-4D97-AF65-F5344CB8AC3E}">
+        <p14:creationId xmlns:p14="http://schemas.microsoft.com/office/powerpoint/2010/main" val="1574613857"/>
+      </p:ext>
+    </p:extLst>
   </p:cSld>
   <p:clrMapOvr>
     <a:masterClrMapping/>
@@ -1733,9 +1772,9 @@
           <a:lstStyle/>
           <a:p>
             <a:fld id="{B61BEF0D-F0BB-DE4B-95CE-6DB70DBA9567}" type="datetimeFigureOut">
-              <a:rPr lang="en-US" dirty="0"/>
+              <a:rPr lang="en-US" smtClean="0"/>
               <a:pPr/>
-              <a:t>9/14/16</a:t>
+              <a:t>9/16/16</a:t>
             </a:fld>
             <a:endParaRPr lang="en-US" dirty="0"/>
           </a:p>
@@ -1776,7 +1815,7 @@
           <a:lstStyle/>
           <a:p>
             <a:fld id="{D57F1E4F-1CFF-5643-939E-217C01CDF565}" type="slidenum">
-              <a:rPr lang="en-US" dirty="0"/>
+              <a:rPr lang="en-US" smtClean="0"/>
               <a:pPr/>
               <a:t>‹#›</a:t>
             </a:fld>
@@ -1785,6 +1824,11 @@
         </p:txBody>
       </p:sp>
     </p:spTree>
+    <p:extLst>
+      <p:ext uri="{BB962C8B-B14F-4D97-AF65-F5344CB8AC3E}">
+        <p14:creationId xmlns:p14="http://schemas.microsoft.com/office/powerpoint/2010/main" val="1094112618"/>
+      </p:ext>
+    </p:extLst>
   </p:cSld>
   <p:clrMapOvr>
     <a:masterClrMapping/>
@@ -2044,9 +2088,9 @@
           <a:lstStyle/>
           <a:p>
             <a:fld id="{B61BEF0D-F0BB-DE4B-95CE-6DB70DBA9567}" type="datetimeFigureOut">
-              <a:rPr lang="en-US" dirty="0"/>
+              <a:rPr lang="en-US" smtClean="0"/>
               <a:pPr/>
-              <a:t>9/14/16</a:t>
+              <a:t>9/16/16</a:t>
             </a:fld>
             <a:endParaRPr lang="en-US" dirty="0"/>
           </a:p>
@@ -2087,7 +2131,7 @@
           <a:lstStyle/>
           <a:p>
             <a:fld id="{D57F1E4F-1CFF-5643-939E-217C01CDF565}" type="slidenum">
-              <a:rPr lang="en-US" dirty="0"/>
+              <a:rPr lang="en-US" smtClean="0"/>
               <a:pPr/>
               <a:t>‹#›</a:t>
             </a:fld>
@@ -2178,6 +2222,11 @@
         </p:txBody>
       </p:sp>
     </p:spTree>
+    <p:extLst>
+      <p:ext uri="{BB962C8B-B14F-4D97-AF65-F5344CB8AC3E}">
+        <p14:creationId xmlns:p14="http://schemas.microsoft.com/office/powerpoint/2010/main" val="1995785112"/>
+      </p:ext>
+    </p:extLst>
   </p:cSld>
   <p:clrMapOvr>
     <a:masterClrMapping/>
@@ -2434,9 +2483,9 @@
           <a:lstStyle/>
           <a:p>
             <a:fld id="{B61BEF0D-F0BB-DE4B-95CE-6DB70DBA9567}" type="datetimeFigureOut">
-              <a:rPr lang="en-US" dirty="0"/>
+              <a:rPr lang="en-US" smtClean="0"/>
               <a:pPr/>
-              <a:t>9/14/16</a:t>
+              <a:t>9/16/16</a:t>
             </a:fld>
             <a:endParaRPr lang="en-US" dirty="0"/>
           </a:p>
@@ -2477,7 +2526,7 @@
           <a:lstStyle/>
           <a:p>
             <a:fld id="{D57F1E4F-1CFF-5643-939E-217C01CDF565}" type="slidenum">
-              <a:rPr lang="en-US" dirty="0"/>
+              <a:rPr lang="en-US" smtClean="0"/>
               <a:pPr/>
               <a:t>‹#›</a:t>
             </a:fld>
@@ -2486,6 +2535,11 @@
         </p:txBody>
       </p:sp>
     </p:spTree>
+    <p:extLst>
+      <p:ext uri="{BB962C8B-B14F-4D97-AF65-F5344CB8AC3E}">
+        <p14:creationId xmlns:p14="http://schemas.microsoft.com/office/powerpoint/2010/main" val="1613294891"/>
+      </p:ext>
+    </p:extLst>
   </p:cSld>
   <p:clrMapOvr>
     <a:masterClrMapping/>
@@ -2601,8 +2655,8 @@
           <a:lstStyle/>
           <a:p>
             <a:fld id="{55C6B4A9-1611-4792-9094-5F34BCA07E0B}" type="datetimeFigureOut">
-              <a:rPr lang="en-US" dirty="0"/>
-              <a:t>9/14/16</a:t>
+              <a:rPr lang="en-US" smtClean="0"/>
+              <a:t>9/16/16</a:t>
             </a:fld>
             <a:endParaRPr lang="en-US" dirty="0"/>
           </a:p>
@@ -2643,7 +2697,7 @@
           <a:lstStyle/>
           <a:p>
             <a:fld id="{89333C77-0158-454C-844F-B7AB9BD7DAD4}" type="slidenum">
-              <a:rPr lang="en-US" dirty="0"/>
+              <a:rPr lang="en-US" smtClean="0"/>
               <a:t>‹#›</a:t>
             </a:fld>
             <a:endParaRPr lang="en-US" dirty="0"/>
@@ -2651,6 +2705,11 @@
         </p:txBody>
       </p:sp>
     </p:spTree>
+    <p:extLst>
+      <p:ext uri="{BB962C8B-B14F-4D97-AF65-F5344CB8AC3E}">
+        <p14:creationId xmlns:p14="http://schemas.microsoft.com/office/powerpoint/2010/main" val="518706015"/>
+      </p:ext>
+    </p:extLst>
   </p:cSld>
   <p:clrMapOvr>
     <a:masterClrMapping/>
@@ -2776,9 +2835,9 @@
           <a:lstStyle/>
           <a:p>
             <a:fld id="{B61BEF0D-F0BB-DE4B-95CE-6DB70DBA9567}" type="datetimeFigureOut">
-              <a:rPr lang="en-US" dirty="0"/>
+              <a:rPr lang="en-US" smtClean="0"/>
               <a:pPr/>
-              <a:t>9/14/16</a:t>
+              <a:t>9/16/16</a:t>
             </a:fld>
             <a:endParaRPr lang="en-US" dirty="0"/>
           </a:p>
@@ -2819,7 +2878,7 @@
           <a:lstStyle/>
           <a:p>
             <a:fld id="{D57F1E4F-1CFF-5643-939E-217C01CDF565}" type="slidenum">
-              <a:rPr lang="en-US" dirty="0"/>
+              <a:rPr lang="en-US" smtClean="0"/>
               <a:pPr/>
               <a:t>‹#›</a:t>
             </a:fld>
@@ -2828,6 +2887,11 @@
         </p:txBody>
       </p:sp>
     </p:spTree>
+    <p:extLst>
+      <p:ext uri="{BB962C8B-B14F-4D97-AF65-F5344CB8AC3E}">
+        <p14:creationId xmlns:p14="http://schemas.microsoft.com/office/powerpoint/2010/main" val="1255870932"/>
+      </p:ext>
+    </p:extLst>
   </p:cSld>
   <p:clrMapOvr>
     <a:masterClrMapping/>
@@ -2864,14 +2928,8 @@
         </p:nvSpPr>
         <p:spPr/>
         <p:txBody>
-          <a:bodyPr>
-            <a:normAutofit/>
-          </a:bodyPr>
-          <a:lstStyle>
-            <a:lvl1pPr>
-              <a:defRPr sz="3600"/>
-            </a:lvl1pPr>
-          </a:lstStyle>
+          <a:bodyPr/>
+          <a:lstStyle/>
           <a:p>
             <a:r>
               <a:rPr lang="en-US" smtClean="0"/>
@@ -2949,9 +3007,9 @@
           <a:lstStyle/>
           <a:p>
             <a:fld id="{B61BEF0D-F0BB-DE4B-95CE-6DB70DBA9567}" type="datetimeFigureOut">
-              <a:rPr lang="en-US" dirty="0"/>
+              <a:rPr lang="en-US" smtClean="0"/>
               <a:pPr/>
-              <a:t>9/14/16</a:t>
+              <a:t>9/16/16</a:t>
             </a:fld>
             <a:endParaRPr lang="en-US" dirty="0"/>
           </a:p>
@@ -2992,7 +3050,7 @@
           <a:lstStyle/>
           <a:p>
             <a:fld id="{D57F1E4F-1CFF-5643-939E-217C01CDF565}" type="slidenum">
-              <a:rPr lang="en-US" dirty="0"/>
+              <a:rPr lang="en-US" smtClean="0"/>
               <a:pPr/>
               <a:t>‹#›</a:t>
             </a:fld>
@@ -3001,6 +3059,11 @@
         </p:txBody>
       </p:sp>
     </p:spTree>
+    <p:extLst>
+      <p:ext uri="{BB962C8B-B14F-4D97-AF65-F5344CB8AC3E}">
+        <p14:creationId xmlns:p14="http://schemas.microsoft.com/office/powerpoint/2010/main" val="12703725"/>
+      </p:ext>
+    </p:extLst>
   </p:cSld>
   <p:clrMapOvr>
     <a:masterClrMapping/>
@@ -3193,9 +3256,9 @@
           <a:lstStyle/>
           <a:p>
             <a:fld id="{B61BEF0D-F0BB-DE4B-95CE-6DB70DBA9567}" type="datetimeFigureOut">
-              <a:rPr lang="en-US" dirty="0"/>
+              <a:rPr lang="en-US" smtClean="0"/>
               <a:pPr/>
-              <a:t>9/14/16</a:t>
+              <a:t>9/16/16</a:t>
             </a:fld>
             <a:endParaRPr lang="en-US" dirty="0"/>
           </a:p>
@@ -3236,7 +3299,7 @@
           <a:lstStyle/>
           <a:p>
             <a:fld id="{D57F1E4F-1CFF-5643-939E-217C01CDF565}" type="slidenum">
-              <a:rPr lang="en-US" dirty="0"/>
+              <a:rPr lang="en-US" smtClean="0"/>
               <a:pPr/>
               <a:t>‹#›</a:t>
             </a:fld>
@@ -3245,6 +3308,11 @@
         </p:txBody>
       </p:sp>
     </p:spTree>
+    <p:extLst>
+      <p:ext uri="{BB962C8B-B14F-4D97-AF65-F5344CB8AC3E}">
+        <p14:creationId xmlns:p14="http://schemas.microsoft.com/office/powerpoint/2010/main" val="910625022"/>
+      </p:ext>
+    </p:extLst>
   </p:cSld>
   <p:clrMapOvr>
     <a:masterClrMapping/>
@@ -3422,8 +3490,8 @@
           <a:lstStyle/>
           <a:p>
             <a:fld id="{EB712588-04B1-427B-82EE-E8DB90309F08}" type="datetimeFigureOut">
-              <a:rPr lang="en-US" dirty="0"/>
-              <a:t>9/14/16</a:t>
+              <a:rPr lang="en-US" smtClean="0"/>
+              <a:t>9/16/16</a:t>
             </a:fld>
             <a:endParaRPr lang="en-US" dirty="0"/>
           </a:p>
@@ -3464,7 +3532,7 @@
           <a:lstStyle/>
           <a:p>
             <a:fld id="{6FF9F0C5-380F-41C2-899A-BAC0F0927E16}" type="slidenum">
-              <a:rPr lang="en-US" dirty="0"/>
+              <a:rPr lang="en-US" smtClean="0"/>
               <a:t>‹#›</a:t>
             </a:fld>
             <a:endParaRPr lang="en-US" dirty="0"/>
@@ -3472,6 +3540,11 @@
         </p:txBody>
       </p:sp>
     </p:spTree>
+    <p:extLst>
+      <p:ext uri="{BB962C8B-B14F-4D97-AF65-F5344CB8AC3E}">
+        <p14:creationId xmlns:p14="http://schemas.microsoft.com/office/powerpoint/2010/main" val="1906276232"/>
+      </p:ext>
+    </p:extLst>
   </p:cSld>
   <p:clrMapOvr>
     <a:masterClrMapping/>
@@ -3791,9 +3864,9 @@
           <a:lstStyle/>
           <a:p>
             <a:fld id="{B61BEF0D-F0BB-DE4B-95CE-6DB70DBA9567}" type="datetimeFigureOut">
-              <a:rPr lang="en-US" dirty="0"/>
+              <a:rPr lang="en-US" smtClean="0"/>
               <a:pPr/>
-              <a:t>9/14/16</a:t>
+              <a:t>9/16/16</a:t>
             </a:fld>
             <a:endParaRPr lang="en-US" dirty="0"/>
           </a:p>
@@ -3834,7 +3907,7 @@
           <a:lstStyle/>
           <a:p>
             <a:fld id="{D57F1E4F-1CFF-5643-939E-217C01CDF565}" type="slidenum">
-              <a:rPr lang="en-US" dirty="0"/>
+              <a:rPr lang="en-US" smtClean="0"/>
               <a:pPr/>
               <a:t>‹#›</a:t>
             </a:fld>
@@ -3843,6 +3916,11 @@
         </p:txBody>
       </p:sp>
     </p:spTree>
+    <p:extLst>
+      <p:ext uri="{BB962C8B-B14F-4D97-AF65-F5344CB8AC3E}">
+        <p14:creationId xmlns:p14="http://schemas.microsoft.com/office/powerpoint/2010/main" val="476101631"/>
+      </p:ext>
+    </p:extLst>
   </p:cSld>
   <p:clrMapOvr>
     <a:masterClrMapping/>
@@ -3911,9 +3989,9 @@
           <a:lstStyle/>
           <a:p>
             <a:fld id="{B61BEF0D-F0BB-DE4B-95CE-6DB70DBA9567}" type="datetimeFigureOut">
-              <a:rPr lang="en-US" dirty="0"/>
+              <a:rPr lang="en-US" smtClean="0"/>
               <a:pPr/>
-              <a:t>9/14/16</a:t>
+              <a:t>9/16/16</a:t>
             </a:fld>
             <a:endParaRPr lang="en-US" dirty="0"/>
           </a:p>
@@ -3954,7 +4032,7 @@
           <a:lstStyle/>
           <a:p>
             <a:fld id="{D57F1E4F-1CFF-5643-939E-217C01CDF565}" type="slidenum">
-              <a:rPr lang="en-US" dirty="0"/>
+              <a:rPr lang="en-US" smtClean="0"/>
               <a:pPr/>
               <a:t>‹#›</a:t>
             </a:fld>
@@ -3963,6 +4041,11 @@
         </p:txBody>
       </p:sp>
     </p:spTree>
+    <p:extLst>
+      <p:ext uri="{BB962C8B-B14F-4D97-AF65-F5344CB8AC3E}">
+        <p14:creationId xmlns:p14="http://schemas.microsoft.com/office/powerpoint/2010/main" val="316043495"/>
+      </p:ext>
+    </p:extLst>
   </p:cSld>
   <p:clrMapOvr>
     <a:masterClrMapping/>
@@ -4003,9 +4086,9 @@
           <a:lstStyle/>
           <a:p>
             <a:fld id="{B61BEF0D-F0BB-DE4B-95CE-6DB70DBA9567}" type="datetimeFigureOut">
-              <a:rPr lang="en-US" dirty="0"/>
+              <a:rPr lang="en-US" smtClean="0"/>
               <a:pPr/>
-              <a:t>9/14/16</a:t>
+              <a:t>9/16/16</a:t>
             </a:fld>
             <a:endParaRPr lang="en-US" dirty="0"/>
           </a:p>
@@ -4046,7 +4129,7 @@
           <a:lstStyle/>
           <a:p>
             <a:fld id="{D57F1E4F-1CFF-5643-939E-217C01CDF565}" type="slidenum">
-              <a:rPr lang="en-US" dirty="0"/>
+              <a:rPr lang="en-US" smtClean="0"/>
               <a:pPr/>
               <a:t>‹#›</a:t>
             </a:fld>
@@ -4055,6 +4138,11 @@
         </p:txBody>
       </p:sp>
     </p:spTree>
+    <p:extLst>
+      <p:ext uri="{BB962C8B-B14F-4D97-AF65-F5344CB8AC3E}">
+        <p14:creationId xmlns:p14="http://schemas.microsoft.com/office/powerpoint/2010/main" val="1015961434"/>
+      </p:ext>
+    </p:extLst>
   </p:cSld>
   <p:clrMapOvr>
     <a:masterClrMapping/>
@@ -4255,8 +4343,8 @@
           <a:lstStyle/>
           <a:p>
             <a:fld id="{42A54C80-263E-416B-A8E0-580EDEADCBDC}" type="datetimeFigureOut">
-              <a:rPr lang="en-US" dirty="0"/>
-              <a:t>9/14/16</a:t>
+              <a:rPr lang="en-US" smtClean="0"/>
+              <a:t>9/16/16</a:t>
             </a:fld>
             <a:endParaRPr lang="en-US" dirty="0"/>
           </a:p>
@@ -4297,7 +4385,7 @@
           <a:lstStyle/>
           <a:p>
             <a:fld id="{519954A3-9DFD-4C44-94BA-B95130A3BA1C}" type="slidenum">
-              <a:rPr lang="en-US" dirty="0"/>
+              <a:rPr lang="en-US" smtClean="0"/>
               <a:t>‹#›</a:t>
             </a:fld>
             <a:endParaRPr lang="en-US" dirty="0"/>
@@ -4305,6 +4393,11 @@
         </p:txBody>
       </p:sp>
     </p:spTree>
+    <p:extLst>
+      <p:ext uri="{BB962C8B-B14F-4D97-AF65-F5344CB8AC3E}">
+        <p14:creationId xmlns:p14="http://schemas.microsoft.com/office/powerpoint/2010/main" val="621343941"/>
+      </p:ext>
+    </p:extLst>
   </p:cSld>
   <p:clrMapOvr>
     <a:masterClrMapping/>
@@ -4499,12 +4592,12 @@
       </p:sp>
       <p:sp>
         <p:nvSpPr>
-          <p:cNvPr id="5" name="Date Placeholder 4"/>
-          <p:cNvSpPr>
-            <a:spLocks noGrp="1"/>
-          </p:cNvSpPr>
-          <p:nvPr>
-            <p:ph type="dt" sz="half" idx="10"/>
+          <p:cNvPr id="6" name="Footer Placeholder 5"/>
+          <p:cNvSpPr>
+            <a:spLocks noGrp="1"/>
+          </p:cNvSpPr>
+          <p:nvPr>
+            <p:ph type="ftr" sz="quarter" idx="11"/>
           </p:nvPr>
         </p:nvSpPr>
         <p:spPr/>
@@ -4512,23 +4605,18 @@
           <a:bodyPr/>
           <a:lstStyle/>
           <a:p>
-            <a:fld id="{B61BEF0D-F0BB-DE4B-95CE-6DB70DBA9567}" type="datetimeFigureOut">
-              <a:rPr lang="en-US" dirty="0"/>
-              <a:pPr/>
-              <a:t>9/14/16</a:t>
-            </a:fld>
-            <a:endParaRPr lang="en-US" dirty="0"/>
-          </a:p>
-        </p:txBody>
-      </p:sp>
-      <p:sp>
-        <p:nvSpPr>
-          <p:cNvPr id="6" name="Footer Placeholder 5"/>
-          <p:cNvSpPr>
-            <a:spLocks noGrp="1"/>
-          </p:cNvSpPr>
-          <p:nvPr>
-            <p:ph type="ftr" sz="quarter" idx="11"/>
+            <a:endParaRPr lang="en-US" dirty="0"/>
+          </a:p>
+        </p:txBody>
+      </p:sp>
+      <p:sp>
+        <p:nvSpPr>
+          <p:cNvPr id="7" name="Slide Number Placeholder 6"/>
+          <p:cNvSpPr>
+            <a:spLocks noGrp="1"/>
+          </p:cNvSpPr>
+          <p:nvPr>
+            <p:ph type="sldNum" sz="quarter" idx="12"/>
           </p:nvPr>
         </p:nvSpPr>
         <p:spPr/>
@@ -4536,27 +4624,8 @@
           <a:bodyPr/>
           <a:lstStyle/>
           <a:p>
-            <a:endParaRPr lang="en-US" dirty="0"/>
-          </a:p>
-        </p:txBody>
-      </p:sp>
-      <p:sp>
-        <p:nvSpPr>
-          <p:cNvPr id="7" name="Slide Number Placeholder 6"/>
-          <p:cNvSpPr>
-            <a:spLocks noGrp="1"/>
-          </p:cNvSpPr>
-          <p:nvPr>
-            <p:ph type="sldNum" sz="quarter" idx="12"/>
-          </p:nvPr>
-        </p:nvSpPr>
-        <p:spPr/>
-        <p:txBody>
-          <a:bodyPr/>
-          <a:lstStyle/>
-          <a:p>
             <a:fld id="{D57F1E4F-1CFF-5643-939E-217C01CDF565}" type="slidenum">
-              <a:rPr lang="en-US" dirty="0"/>
+              <a:rPr lang="en-US" smtClean="0"/>
               <a:pPr/>
               <a:t>‹#›</a:t>
             </a:fld>
@@ -4564,7 +4633,36 @@
           </a:p>
         </p:txBody>
       </p:sp>
+      <p:sp>
+        <p:nvSpPr>
+          <p:cNvPr id="5" name="Date Placeholder 4"/>
+          <p:cNvSpPr>
+            <a:spLocks noGrp="1"/>
+          </p:cNvSpPr>
+          <p:nvPr>
+            <p:ph type="dt" sz="half" idx="10"/>
+          </p:nvPr>
+        </p:nvSpPr>
+        <p:spPr/>
+        <p:txBody>
+          <a:bodyPr/>
+          <a:lstStyle/>
+          <a:p>
+            <a:fld id="{B61BEF0D-F0BB-DE4B-95CE-6DB70DBA9567}" type="datetimeFigureOut">
+              <a:rPr lang="en-US" smtClean="0"/>
+              <a:pPr/>
+              <a:t>9/16/16</a:t>
+            </a:fld>
+            <a:endParaRPr lang="en-US" dirty="0"/>
+          </a:p>
+        </p:txBody>
+      </p:sp>
     </p:spTree>
+    <p:extLst>
+      <p:ext uri="{BB962C8B-B14F-4D97-AF65-F5344CB8AC3E}">
+        <p14:creationId xmlns:p14="http://schemas.microsoft.com/office/powerpoint/2010/main" val="1862124673"/>
+      </p:ext>
+    </p:extLst>
   </p:cSld>
   <p:clrMapOvr>
     <a:masterClrMapping/>
@@ -4596,7 +4694,7 @@
       </p:grpSpPr>
       <p:grpSp>
         <p:nvGrpSpPr>
-          <p:cNvPr id="7" name="Group 6"/>
+          <p:cNvPr id="44" name="Group 43"/>
           <p:cNvGrpSpPr/>
           <p:nvPr/>
         </p:nvGrpSpPr>
@@ -4624,8 +4722,8 @@
             </a:prstGeom>
             <a:ln w="9525">
               <a:solidFill>
-                <a:schemeClr val="bg1">
-                  <a:lumMod val="75000"/>
+                <a:schemeClr val="accent1">
+                  <a:alpha val="70000"/>
                 </a:schemeClr>
               </a:solidFill>
             </a:ln>
@@ -4661,8 +4759,8 @@
             </a:prstGeom>
             <a:ln w="9525">
               <a:solidFill>
-                <a:schemeClr val="bg1">
-                  <a:lumMod val="85000"/>
+                <a:schemeClr val="accent1">
+                  <a:alpha val="70000"/>
                 </a:schemeClr>
               </a:solidFill>
             </a:ln>
@@ -4722,7 +4820,7 @@
             </a:custGeom>
             <a:solidFill>
               <a:schemeClr val="accent1">
-                <a:alpha val="30000"/>
+                <a:alpha val="36000"/>
               </a:schemeClr>
             </a:solidFill>
             <a:ln>
@@ -4825,8 +4923,9 @@
               </a:avLst>
             </a:prstGeom>
             <a:solidFill>
-              <a:schemeClr val="accent2">
-                <a:alpha val="72000"/>
+              <a:schemeClr val="accent1">
+                <a:lumMod val="75000"/>
+                <a:alpha val="66000"/>
               </a:schemeClr>
             </a:solidFill>
             <a:ln>
@@ -4888,9 +4987,9 @@
               </a:pathLst>
             </a:custGeom>
             <a:solidFill>
-              <a:schemeClr val="accent2">
+              <a:schemeClr val="accent1">
                 <a:lumMod val="75000"/>
-                <a:alpha val="70000"/>
+                <a:alpha val="50000"/>
               </a:schemeClr>
             </a:solidFill>
             <a:ln>
@@ -4952,9 +5051,7 @@
               </a:pathLst>
             </a:custGeom>
             <a:solidFill>
-              <a:schemeClr val="accent1">
-                <a:lumMod val="60000"/>
-                <a:lumOff val="40000"/>
+              <a:schemeClr val="accent2">
                 <a:alpha val="70000"/>
               </a:schemeClr>
             </a:solidFill>
@@ -5017,8 +5114,9 @@
               </a:pathLst>
             </a:custGeom>
             <a:solidFill>
-              <a:schemeClr val="accent1">
-                <a:alpha val="65000"/>
+              <a:schemeClr val="accent2">
+                <a:lumMod val="75000"/>
+                <a:alpha val="80000"/>
               </a:schemeClr>
             </a:solidFill>
             <a:ln>
@@ -5059,7 +5157,8 @@
             </a:prstGeom>
             <a:solidFill>
               <a:schemeClr val="accent1">
-                <a:alpha val="80000"/>
+                <a:lumMod val="75000"/>
+                <a:alpha val="66000"/>
               </a:schemeClr>
             </a:solidFill>
             <a:ln>
@@ -5084,7 +5183,7 @@
         </p:sp>
         <p:sp>
           <p:nvSpPr>
-            <p:cNvPr id="29" name="Isosceles Triangle 28"/>
+            <p:cNvPr id="19" name="Isosceles Triangle 18"/>
             <p:cNvSpPr/>
             <p:nvPr/>
           </p:nvSpPr>
@@ -5100,7 +5199,7 @@
             </a:prstGeom>
             <a:solidFill>
               <a:schemeClr val="accent1">
-                <a:alpha val="85000"/>
+                <a:alpha val="70000"/>
               </a:schemeClr>
             </a:solidFill>
             <a:ln>
@@ -5253,9 +5352,9 @@
           </a:lstStyle>
           <a:p>
             <a:fld id="{B61BEF0D-F0BB-DE4B-95CE-6DB70DBA9567}" type="datetimeFigureOut">
-              <a:rPr lang="en-US" dirty="0"/>
+              <a:rPr lang="en-US" smtClean="0"/>
               <a:pPr/>
-              <a:t>9/14/16</a:t>
+              <a:t>9/16/16</a:t>
             </a:fld>
             <a:endParaRPr lang="en-US" dirty="0"/>
           </a:p>
@@ -5330,7 +5429,7 @@
           </a:lstStyle>
           <a:p>
             <a:fld id="{D57F1E4F-1CFF-5643-939E-217C01CDF565}" type="slidenum">
-              <a:rPr lang="en-US" dirty="0"/>
+              <a:rPr lang="en-US" smtClean="0"/>
               <a:pPr/>
               <a:t>‹#›</a:t>
             </a:fld>
@@ -5339,25 +5438,30 @@
         </p:txBody>
       </p:sp>
     </p:spTree>
+    <p:extLst>
+      <p:ext uri="{BB962C8B-B14F-4D97-AF65-F5344CB8AC3E}">
+        <p14:creationId xmlns:p14="http://schemas.microsoft.com/office/powerpoint/2010/main" val="242951721"/>
+      </p:ext>
+    </p:extLst>
   </p:cSld>
   <p:clrMap bg1="lt1" tx1="dk1" bg2="lt2" tx2="dk2" accent1="accent1" accent2="accent2" accent3="accent3" accent4="accent4" accent5="accent5" accent6="accent6" hlink="hlink" folHlink="folHlink"/>
   <p:sldLayoutIdLst>
-    <p:sldLayoutId id="2147483649" r:id="rId1"/>
-    <p:sldLayoutId id="2147483650" r:id="rId2"/>
-    <p:sldLayoutId id="2147483651" r:id="rId3"/>
-    <p:sldLayoutId id="2147483665" r:id="rId4"/>
-    <p:sldLayoutId id="2147483653" r:id="rId5"/>
-    <p:sldLayoutId id="2147483654" r:id="rId6"/>
-    <p:sldLayoutId id="2147483655" r:id="rId7"/>
-    <p:sldLayoutId id="2147483666" r:id="rId8"/>
-    <p:sldLayoutId id="2147483657" r:id="rId9"/>
-    <p:sldLayoutId id="2147483660" r:id="rId10"/>
-    <p:sldLayoutId id="2147483661" r:id="rId11"/>
-    <p:sldLayoutId id="2147483662" r:id="rId12"/>
-    <p:sldLayoutId id="2147483663" r:id="rId13"/>
-    <p:sldLayoutId id="2147483664" r:id="rId14"/>
-    <p:sldLayoutId id="2147483667" r:id="rId15"/>
-    <p:sldLayoutId id="2147483659" r:id="rId16"/>
+    <p:sldLayoutId id="2147483669" r:id="rId1"/>
+    <p:sldLayoutId id="2147483670" r:id="rId2"/>
+    <p:sldLayoutId id="2147483671" r:id="rId3"/>
+    <p:sldLayoutId id="2147483672" r:id="rId4"/>
+    <p:sldLayoutId id="2147483673" r:id="rId5"/>
+    <p:sldLayoutId id="2147483674" r:id="rId6"/>
+    <p:sldLayoutId id="2147483675" r:id="rId7"/>
+    <p:sldLayoutId id="2147483676" r:id="rId8"/>
+    <p:sldLayoutId id="2147483677" r:id="rId9"/>
+    <p:sldLayoutId id="2147483678" r:id="rId10"/>
+    <p:sldLayoutId id="2147483679" r:id="rId11"/>
+    <p:sldLayoutId id="2147483680" r:id="rId12"/>
+    <p:sldLayoutId id="2147483681" r:id="rId13"/>
+    <p:sldLayoutId id="2147483682" r:id="rId14"/>
+    <p:sldLayoutId id="2147483683" r:id="rId15"/>
+    <p:sldLayoutId id="2147483684" r:id="rId16"/>
   </p:sldLayoutIdLst>
   <p:txStyles>
     <p:titleStyle>
@@ -5791,36 +5895,158 @@
           <a:lstStyle/>
           <a:p>
             <a:r>
+              <a:rPr lang="en-US" dirty="0" err="1" smtClean="0">
+                <a:solidFill>
+                  <a:schemeClr val="tx1"/>
+                </a:solidFill>
+              </a:rPr>
+              <a:t>BootEE</a:t>
+            </a:r>
+            <a:r>
+              <a:rPr lang="en-US" dirty="0" smtClean="0">
+                <a:solidFill>
+                  <a:schemeClr val="tx1"/>
+                </a:solidFill>
+              </a:rPr>
+              <a:t> </a:t>
+            </a:r>
+            <a:endParaRPr lang="en-US" dirty="0">
+              <a:solidFill>
+                <a:schemeClr val="tx1"/>
+              </a:solidFill>
+            </a:endParaRPr>
+          </a:p>
+        </p:txBody>
+      </p:sp>
+      <p:sp>
+        <p:nvSpPr>
+          <p:cNvPr id="3" name="Subtitle 2"/>
+          <p:cNvSpPr>
+            <a:spLocks noGrp="1"/>
+          </p:cNvSpPr>
+          <p:nvPr>
+            <p:ph type="subTitle" idx="1"/>
+          </p:nvPr>
+        </p:nvSpPr>
+        <p:spPr/>
+        <p:txBody>
+          <a:bodyPr/>
+          <a:lstStyle/>
+          <a:p>
+            <a:r>
+              <a:rPr lang="en-US" dirty="0" smtClean="0"/>
+              <a:t>Java EE, </a:t>
+            </a:r>
+            <a:r>
               <a:rPr lang="en-US" dirty="0" err="1" smtClean="0"/>
-              <a:t>BootEE</a:t>
+              <a:t>Microservices</a:t>
             </a:r>
             <a:r>
               <a:rPr lang="en-US" dirty="0" smtClean="0"/>
-              <a:t> </a:t>
-            </a:r>
-            <a:endParaRPr lang="en-US" dirty="0"/>
-          </a:p>
-        </p:txBody>
-      </p:sp>
-      <p:sp>
-        <p:nvSpPr>
-          <p:cNvPr id="3" name="Subtitle 2"/>
-          <p:cNvSpPr>
-            <a:spLocks noGrp="1"/>
-          </p:cNvSpPr>
-          <p:nvPr>
-            <p:ph type="subTitle" idx="1"/>
-          </p:nvPr>
-        </p:nvSpPr>
-        <p:spPr/>
-        <p:txBody>
-          <a:bodyPr/>
-          <a:lstStyle/>
-          <a:p>
-            <a:endParaRPr lang="en-US"/>
-          </a:p>
-        </p:txBody>
-      </p:sp>
+              <a:t>, </a:t>
+            </a:r>
+            <a:r>
+              <a:rPr lang="en-US" dirty="0" err="1" smtClean="0"/>
+              <a:t>Microprofile</a:t>
+            </a:r>
+            <a:r>
+              <a:rPr lang="en-US" dirty="0" smtClean="0"/>
+              <a:t> and Playing a little mix &amp; match</a:t>
+            </a:r>
+            <a:endParaRPr lang="en-US" dirty="0"/>
+          </a:p>
+        </p:txBody>
+      </p:sp>
+      <p:pic>
+        <p:nvPicPr>
+          <p:cNvPr id="4" name="Picture 3"/>
+          <p:cNvPicPr>
+            <a:picLocks noChangeAspect="1"/>
+          </p:cNvPicPr>
+          <p:nvPr/>
+        </p:nvPicPr>
+        <p:blipFill>
+          <a:blip r:embed="rId2">
+            <a:extLst>
+              <a:ext uri="{28A0092B-C50C-407E-A947-70E740481C1C}">
+                <a14:useLocalDpi xmlns:a14="http://schemas.microsoft.com/office/drawing/2010/main" val="0"/>
+              </a:ext>
+            </a:extLst>
+          </a:blip>
+          <a:stretch>
+            <a:fillRect/>
+          </a:stretch>
+        </p:blipFill>
+        <p:spPr>
+          <a:xfrm>
+            <a:off x="5116531" y="849858"/>
+            <a:ext cx="3972538" cy="1084503"/>
+          </a:xfrm>
+          <a:prstGeom prst="rect">
+            <a:avLst/>
+          </a:prstGeom>
+        </p:spPr>
+      </p:pic>
+      <p:pic>
+        <p:nvPicPr>
+          <p:cNvPr id="5" name="Picture 4"/>
+          <p:cNvPicPr>
+            <a:picLocks noChangeAspect="1"/>
+          </p:cNvPicPr>
+          <p:nvPr/>
+        </p:nvPicPr>
+        <p:blipFill>
+          <a:blip r:embed="rId3">
+            <a:extLst>
+              <a:ext uri="{28A0092B-C50C-407E-A947-70E740481C1C}">
+                <a14:useLocalDpi xmlns:a14="http://schemas.microsoft.com/office/drawing/2010/main" val="0"/>
+              </a:ext>
+            </a:extLst>
+          </a:blip>
+          <a:stretch>
+            <a:fillRect/>
+          </a:stretch>
+        </p:blipFill>
+        <p:spPr>
+          <a:xfrm>
+            <a:off x="849331" y="-482029"/>
+            <a:ext cx="2978649" cy="2978649"/>
+          </a:xfrm>
+          <a:prstGeom prst="rect">
+            <a:avLst/>
+          </a:prstGeom>
+        </p:spPr>
+      </p:pic>
+      <p:pic>
+        <p:nvPicPr>
+          <p:cNvPr id="6" name="Picture 5"/>
+          <p:cNvPicPr>
+            <a:picLocks noChangeAspect="1"/>
+          </p:cNvPicPr>
+          <p:nvPr/>
+        </p:nvPicPr>
+        <p:blipFill>
+          <a:blip r:embed="rId4">
+            <a:extLst>
+              <a:ext uri="{28A0092B-C50C-407E-A947-70E740481C1C}">
+                <a14:useLocalDpi xmlns:a14="http://schemas.microsoft.com/office/drawing/2010/main" val="0"/>
+              </a:ext>
+            </a:extLst>
+          </a:blip>
+          <a:stretch>
+            <a:fillRect/>
+          </a:stretch>
+        </p:blipFill>
+        <p:spPr>
+          <a:xfrm>
+            <a:off x="551308" y="5576643"/>
+            <a:ext cx="3574693" cy="1217388"/>
+          </a:xfrm>
+          <a:prstGeom prst="rect">
+            <a:avLst/>
+          </a:prstGeom>
+        </p:spPr>
+      </p:pic>
     </p:spTree>
     <p:extLst>
       <p:ext uri="{BB962C8B-B14F-4D97-AF65-F5344CB8AC3E}">
@@ -5831,6 +6057,751 @@
   <p:clrMapOvr>
     <a:masterClrMapping/>
   </p:clrMapOvr>
+  <p:timing>
+    <p:tnLst>
+      <p:par>
+        <p:cTn id="1" dur="indefinite" restart="never" nodeType="tmRoot"/>
+      </p:par>
+    </p:tnLst>
+  </p:timing>
+</p:sld>
+</file>
+
+<file path=ppt/slides/slide10.xml><?xml version="1.0" encoding="utf-8"?>
+<p:sld xmlns:a="http://schemas.openxmlformats.org/drawingml/2006/main" xmlns:r="http://schemas.openxmlformats.org/officeDocument/2006/relationships" xmlns:p="http://schemas.openxmlformats.org/presentationml/2006/main">
+  <p:cSld>
+    <p:spTree>
+      <p:nvGrpSpPr>
+        <p:cNvPr id="1" name=""/>
+        <p:cNvGrpSpPr/>
+        <p:nvPr/>
+      </p:nvGrpSpPr>
+      <p:grpSpPr>
+        <a:xfrm>
+          <a:off x="0" y="0"/>
+          <a:ext cx="0" cy="0"/>
+          <a:chOff x="0" y="0"/>
+          <a:chExt cx="0" cy="0"/>
+        </a:xfrm>
+      </p:grpSpPr>
+      <p:pic>
+        <p:nvPicPr>
+          <p:cNvPr id="4" name="Picture 3"/>
+          <p:cNvPicPr>
+            <a:picLocks noChangeAspect="1"/>
+          </p:cNvPicPr>
+          <p:nvPr/>
+        </p:nvPicPr>
+        <p:blipFill>
+          <a:blip r:embed="rId2">
+            <a:extLst>
+              <a:ext uri="{28A0092B-C50C-407E-A947-70E740481C1C}">
+                <a14:useLocalDpi xmlns:a14="http://schemas.microsoft.com/office/drawing/2010/main" val="0"/>
+              </a:ext>
+            </a:extLst>
+          </a:blip>
+          <a:stretch>
+            <a:fillRect/>
+          </a:stretch>
+        </p:blipFill>
+        <p:spPr>
+          <a:xfrm>
+            <a:off x="5548046" y="3551962"/>
+            <a:ext cx="3972538" cy="1084503"/>
+          </a:xfrm>
+          <a:prstGeom prst="rect">
+            <a:avLst/>
+          </a:prstGeom>
+        </p:spPr>
+      </p:pic>
+      <p:pic>
+        <p:nvPicPr>
+          <p:cNvPr id="5" name="Picture 4"/>
+          <p:cNvPicPr>
+            <a:picLocks noChangeAspect="1"/>
+          </p:cNvPicPr>
+          <p:nvPr/>
+        </p:nvPicPr>
+        <p:blipFill>
+          <a:blip r:embed="rId3">
+            <a:extLst>
+              <a:ext uri="{28A0092B-C50C-407E-A947-70E740481C1C}">
+                <a14:useLocalDpi xmlns:a14="http://schemas.microsoft.com/office/drawing/2010/main" val="0"/>
+              </a:ext>
+            </a:extLst>
+          </a:blip>
+          <a:stretch>
+            <a:fillRect/>
+          </a:stretch>
+        </p:blipFill>
+        <p:spPr>
+          <a:xfrm>
+            <a:off x="1013717" y="432371"/>
+            <a:ext cx="2978649" cy="2978649"/>
+          </a:xfrm>
+          <a:prstGeom prst="rect">
+            <a:avLst/>
+          </a:prstGeom>
+        </p:spPr>
+      </p:pic>
+      <p:sp>
+        <p:nvSpPr>
+          <p:cNvPr id="8" name="Rectangle 7"/>
+          <p:cNvSpPr/>
+          <p:nvPr/>
+        </p:nvSpPr>
+        <p:spPr>
+          <a:xfrm>
+            <a:off x="3992366" y="1816628"/>
+            <a:ext cx="1145026" cy="2646878"/>
+          </a:xfrm>
+          <a:prstGeom prst="rect">
+            <a:avLst/>
+          </a:prstGeom>
+          <a:noFill/>
+        </p:spPr>
+        <p:txBody>
+          <a:bodyPr wrap="square" lIns="91440" tIns="45720" rIns="91440" bIns="45720">
+            <a:spAutoFit/>
+          </a:bodyPr>
+          <a:lstStyle/>
+          <a:p>
+            <a:pPr algn="ctr"/>
+            <a:r>
+              <a:rPr lang="en-US" sz="16600" b="1" cap="none" spc="0" smtClean="0">
+                <a:ln w="9525">
+                  <a:solidFill>
+                    <a:schemeClr val="bg1"/>
+                  </a:solidFill>
+                  <a:prstDash val="solid"/>
+                </a:ln>
+                <a:solidFill>
+                  <a:schemeClr val="tx1"/>
+                </a:solidFill>
+                <a:effectLst>
+                  <a:outerShdw blurRad="12700" dist="38100" dir="2700000" algn="tl" rotWithShape="0">
+                    <a:schemeClr val="bg1">
+                      <a:lumMod val="50000"/>
+                    </a:schemeClr>
+                  </a:outerShdw>
+                </a:effectLst>
+              </a:rPr>
+              <a:t>&amp;</a:t>
+            </a:r>
+            <a:endParaRPr lang="en-US" sz="16600" b="1" cap="none" spc="0" dirty="0">
+              <a:ln w="9525">
+                <a:solidFill>
+                  <a:schemeClr val="bg1"/>
+                </a:solidFill>
+                <a:prstDash val="solid"/>
+              </a:ln>
+              <a:solidFill>
+                <a:schemeClr val="tx1"/>
+              </a:solidFill>
+              <a:effectLst>
+                <a:outerShdw blurRad="12700" dist="38100" dir="2700000" algn="tl" rotWithShape="0">
+                  <a:schemeClr val="bg1">
+                    <a:lumMod val="50000"/>
+                  </a:schemeClr>
+                </a:outerShdw>
+              </a:effectLst>
+            </a:endParaRPr>
+          </a:p>
+        </p:txBody>
+      </p:sp>
+      <p:sp>
+        <p:nvSpPr>
+          <p:cNvPr id="9" name="Content Placeholder 2"/>
+          <p:cNvSpPr txBox="1">
+            <a:spLocks/>
+          </p:cNvSpPr>
+          <p:nvPr/>
+        </p:nvSpPr>
+        <p:spPr>
+          <a:xfrm>
+            <a:off x="-442550" y="4917613"/>
+            <a:ext cx="8596668" cy="3880773"/>
+          </a:xfrm>
+          <a:prstGeom prst="rect">
+            <a:avLst/>
+          </a:prstGeom>
+        </p:spPr>
+        <p:txBody>
+          <a:bodyPr vert="horz" lIns="91440" tIns="45720" rIns="91440" bIns="45720" rtlCol="0" anchor="t">
+            <a:normAutofit/>
+          </a:bodyPr>
+          <a:lstStyle>
+            <a:lvl1pPr marL="0" indent="0" algn="r" defTabSz="457200" rtl="0" eaLnBrk="1" latinLnBrk="0" hangingPunct="1">
+              <a:spcBef>
+                <a:spcPts val="1000"/>
+              </a:spcBef>
+              <a:spcAft>
+                <a:spcPts val="0"/>
+              </a:spcAft>
+              <a:buClr>
+                <a:schemeClr val="accent1"/>
+              </a:buClr>
+              <a:buSzPct val="80000"/>
+              <a:buFont typeface="Wingdings 3" charset="2"/>
+              <a:buNone/>
+              <a:defRPr sz="1800" kern="1200">
+                <a:solidFill>
+                  <a:schemeClr val="tx1">
+                    <a:lumMod val="50000"/>
+                    <a:lumOff val="50000"/>
+                  </a:schemeClr>
+                </a:solidFill>
+                <a:latin typeface="+mn-lt"/>
+                <a:ea typeface="+mn-ea"/>
+                <a:cs typeface="+mn-cs"/>
+              </a:defRPr>
+            </a:lvl1pPr>
+            <a:lvl2pPr marL="457200" indent="0" algn="ctr" defTabSz="457200" rtl="0" eaLnBrk="1" latinLnBrk="0" hangingPunct="1">
+              <a:spcBef>
+                <a:spcPts val="1000"/>
+              </a:spcBef>
+              <a:spcAft>
+                <a:spcPts val="0"/>
+              </a:spcAft>
+              <a:buClr>
+                <a:schemeClr val="accent1"/>
+              </a:buClr>
+              <a:buSzPct val="80000"/>
+              <a:buFont typeface="Wingdings 3" charset="2"/>
+              <a:buNone/>
+              <a:defRPr sz="1600" kern="1200">
+                <a:solidFill>
+                  <a:schemeClr val="tx1">
+                    <a:tint val="75000"/>
+                  </a:schemeClr>
+                </a:solidFill>
+                <a:latin typeface="+mn-lt"/>
+                <a:ea typeface="+mn-ea"/>
+                <a:cs typeface="+mn-cs"/>
+              </a:defRPr>
+            </a:lvl2pPr>
+            <a:lvl3pPr marL="914400" indent="0" algn="ctr" defTabSz="457200" rtl="0" eaLnBrk="1" latinLnBrk="0" hangingPunct="1">
+              <a:spcBef>
+                <a:spcPts val="1000"/>
+              </a:spcBef>
+              <a:spcAft>
+                <a:spcPts val="0"/>
+              </a:spcAft>
+              <a:buClr>
+                <a:schemeClr val="accent1"/>
+              </a:buClr>
+              <a:buSzPct val="80000"/>
+              <a:buFont typeface="Wingdings 3" charset="2"/>
+              <a:buNone/>
+              <a:defRPr sz="1400" kern="1200">
+                <a:solidFill>
+                  <a:schemeClr val="tx1">
+                    <a:tint val="75000"/>
+                  </a:schemeClr>
+                </a:solidFill>
+                <a:latin typeface="+mn-lt"/>
+                <a:ea typeface="+mn-ea"/>
+                <a:cs typeface="+mn-cs"/>
+              </a:defRPr>
+            </a:lvl3pPr>
+            <a:lvl4pPr marL="1371600" indent="0" algn="ctr" defTabSz="457200" rtl="0" eaLnBrk="1" latinLnBrk="0" hangingPunct="1">
+              <a:spcBef>
+                <a:spcPts val="1000"/>
+              </a:spcBef>
+              <a:spcAft>
+                <a:spcPts val="0"/>
+              </a:spcAft>
+              <a:buClr>
+                <a:schemeClr val="accent1"/>
+              </a:buClr>
+              <a:buSzPct val="80000"/>
+              <a:buFont typeface="Wingdings 3" charset="2"/>
+              <a:buNone/>
+              <a:defRPr sz="1200" kern="1200">
+                <a:solidFill>
+                  <a:schemeClr val="tx1">
+                    <a:tint val="75000"/>
+                  </a:schemeClr>
+                </a:solidFill>
+                <a:latin typeface="+mn-lt"/>
+                <a:ea typeface="+mn-ea"/>
+                <a:cs typeface="+mn-cs"/>
+              </a:defRPr>
+            </a:lvl4pPr>
+            <a:lvl5pPr marL="1828800" indent="0" algn="ctr" defTabSz="457200" rtl="0" eaLnBrk="1" latinLnBrk="0" hangingPunct="1">
+              <a:spcBef>
+                <a:spcPts val="1000"/>
+              </a:spcBef>
+              <a:spcAft>
+                <a:spcPts val="0"/>
+              </a:spcAft>
+              <a:buClr>
+                <a:schemeClr val="accent1"/>
+              </a:buClr>
+              <a:buSzPct val="80000"/>
+              <a:buFont typeface="Wingdings 3" charset="2"/>
+              <a:buNone/>
+              <a:defRPr sz="1200" kern="1200">
+                <a:solidFill>
+                  <a:schemeClr val="tx1">
+                    <a:tint val="75000"/>
+                  </a:schemeClr>
+                </a:solidFill>
+                <a:latin typeface="+mn-lt"/>
+                <a:ea typeface="+mn-ea"/>
+                <a:cs typeface="+mn-cs"/>
+              </a:defRPr>
+            </a:lvl5pPr>
+            <a:lvl6pPr marL="2286000" indent="0" algn="ctr" defTabSz="457200" rtl="0" eaLnBrk="1" latinLnBrk="0" hangingPunct="1">
+              <a:spcBef>
+                <a:spcPts val="1000"/>
+              </a:spcBef>
+              <a:spcAft>
+                <a:spcPts val="0"/>
+              </a:spcAft>
+              <a:buClr>
+                <a:schemeClr val="accent1"/>
+              </a:buClr>
+              <a:buSzPct val="80000"/>
+              <a:buFont typeface="Wingdings 3" charset="2"/>
+              <a:buNone/>
+              <a:defRPr sz="1200" kern="1200">
+                <a:solidFill>
+                  <a:schemeClr val="tx1">
+                    <a:tint val="75000"/>
+                  </a:schemeClr>
+                </a:solidFill>
+                <a:latin typeface="+mn-lt"/>
+                <a:ea typeface="+mn-ea"/>
+                <a:cs typeface="+mn-cs"/>
+              </a:defRPr>
+            </a:lvl6pPr>
+            <a:lvl7pPr marL="2743200" indent="0" algn="ctr" defTabSz="457200" rtl="0" eaLnBrk="1" latinLnBrk="0" hangingPunct="1">
+              <a:spcBef>
+                <a:spcPts val="1000"/>
+              </a:spcBef>
+              <a:spcAft>
+                <a:spcPts val="0"/>
+              </a:spcAft>
+              <a:buClr>
+                <a:schemeClr val="accent1"/>
+              </a:buClr>
+              <a:buSzPct val="80000"/>
+              <a:buFont typeface="Wingdings 3" charset="2"/>
+              <a:buNone/>
+              <a:defRPr sz="1200" kern="1200">
+                <a:solidFill>
+                  <a:schemeClr val="tx1">
+                    <a:tint val="75000"/>
+                  </a:schemeClr>
+                </a:solidFill>
+                <a:latin typeface="+mn-lt"/>
+                <a:ea typeface="+mn-ea"/>
+                <a:cs typeface="+mn-cs"/>
+              </a:defRPr>
+            </a:lvl7pPr>
+            <a:lvl8pPr marL="3200400" indent="0" algn="ctr" defTabSz="457200" rtl="0" eaLnBrk="1" latinLnBrk="0" hangingPunct="1">
+              <a:spcBef>
+                <a:spcPts val="1000"/>
+              </a:spcBef>
+              <a:spcAft>
+                <a:spcPts val="0"/>
+              </a:spcAft>
+              <a:buClr>
+                <a:schemeClr val="accent1"/>
+              </a:buClr>
+              <a:buSzPct val="80000"/>
+              <a:buFont typeface="Wingdings 3" charset="2"/>
+              <a:buNone/>
+              <a:defRPr sz="1200" kern="1200">
+                <a:solidFill>
+                  <a:schemeClr val="tx1">
+                    <a:tint val="75000"/>
+                  </a:schemeClr>
+                </a:solidFill>
+                <a:latin typeface="+mn-lt"/>
+                <a:ea typeface="+mn-ea"/>
+                <a:cs typeface="+mn-cs"/>
+              </a:defRPr>
+            </a:lvl8pPr>
+            <a:lvl9pPr marL="3657600" indent="0" algn="ctr" defTabSz="457200" rtl="0" eaLnBrk="1" latinLnBrk="0" hangingPunct="1">
+              <a:spcBef>
+                <a:spcPts val="1000"/>
+              </a:spcBef>
+              <a:spcAft>
+                <a:spcPts val="0"/>
+              </a:spcAft>
+              <a:buClr>
+                <a:schemeClr val="accent1"/>
+              </a:buClr>
+              <a:buSzPct val="80000"/>
+              <a:buFont typeface="Wingdings 3" charset="2"/>
+              <a:buNone/>
+              <a:defRPr sz="1200" kern="1200">
+                <a:solidFill>
+                  <a:schemeClr val="tx1">
+                    <a:tint val="75000"/>
+                  </a:schemeClr>
+                </a:solidFill>
+                <a:latin typeface="+mn-lt"/>
+                <a:ea typeface="+mn-ea"/>
+                <a:cs typeface="+mn-cs"/>
+              </a:defRPr>
+            </a:lvl9pPr>
+          </a:lstStyle>
+          <a:p>
+            <a:r>
+              <a:rPr lang="en-US" sz="2400" dirty="0" smtClean="0"/>
+              <a:t>Building Java EE applications </a:t>
+            </a:r>
+            <a:r>
+              <a:rPr lang="en-US" sz="2400" dirty="0" smtClean="0"/>
+              <a:t>on a </a:t>
+            </a:r>
+            <a:r>
+              <a:rPr lang="en-US" sz="2400" dirty="0" err="1" smtClean="0"/>
+              <a:t>Microservice</a:t>
+            </a:r>
+            <a:r>
+              <a:rPr lang="en-US" sz="2400" dirty="0" smtClean="0"/>
+              <a:t> runtime</a:t>
+            </a:r>
+            <a:endParaRPr lang="en-US" sz="2400" dirty="0"/>
+          </a:p>
+        </p:txBody>
+      </p:sp>
+    </p:spTree>
+    <p:extLst>
+      <p:ext uri="{BB962C8B-B14F-4D97-AF65-F5344CB8AC3E}">
+        <p14:creationId xmlns:p14="http://schemas.microsoft.com/office/powerpoint/2010/main" val="681938901"/>
+      </p:ext>
+    </p:extLst>
+  </p:cSld>
+  <p:clrMapOvr>
+    <a:masterClrMapping/>
+  </p:clrMapOvr>
+  <p:timing>
+    <p:tnLst>
+      <p:par>
+        <p:cTn id="1" dur="indefinite" restart="never" nodeType="tmRoot"/>
+      </p:par>
+    </p:tnLst>
+  </p:timing>
+</p:sld>
+</file>
+
+<file path=ppt/slides/slide11.xml><?xml version="1.0" encoding="utf-8"?>
+<p:sld xmlns:a="http://schemas.openxmlformats.org/drawingml/2006/main" xmlns:r="http://schemas.openxmlformats.org/officeDocument/2006/relationships" xmlns:p="http://schemas.openxmlformats.org/presentationml/2006/main">
+  <p:cSld>
+    <p:spTree>
+      <p:nvGrpSpPr>
+        <p:cNvPr id="1" name=""/>
+        <p:cNvGrpSpPr/>
+        <p:nvPr/>
+      </p:nvGrpSpPr>
+      <p:grpSpPr>
+        <a:xfrm>
+          <a:off x="0" y="0"/>
+          <a:ext cx="0" cy="0"/>
+          <a:chOff x="0" y="0"/>
+          <a:chExt cx="0" cy="0"/>
+        </a:xfrm>
+      </p:grpSpPr>
+      <p:sp>
+        <p:nvSpPr>
+          <p:cNvPr id="2" name="Title 1"/>
+          <p:cNvSpPr>
+            <a:spLocks noGrp="1"/>
+          </p:cNvSpPr>
+          <p:nvPr>
+            <p:ph type="title"/>
+          </p:nvPr>
+        </p:nvSpPr>
+        <p:spPr/>
+        <p:txBody>
+          <a:bodyPr/>
+          <a:lstStyle/>
+          <a:p>
+            <a:r>
+              <a:rPr lang="en-US" dirty="0" smtClean="0"/>
+              <a:t>What is </a:t>
+            </a:r>
+            <a:r>
+              <a:rPr lang="en-US" dirty="0" err="1" smtClean="0"/>
+              <a:t>Microprofile</a:t>
+            </a:r>
+            <a:r>
+              <a:rPr lang="en-US" dirty="0" smtClean="0"/>
+              <a:t>?</a:t>
+            </a:r>
+            <a:endParaRPr lang="en-US" dirty="0"/>
+          </a:p>
+        </p:txBody>
+      </p:sp>
+      <p:sp>
+        <p:nvSpPr>
+          <p:cNvPr id="3" name="Content Placeholder 2"/>
+          <p:cNvSpPr>
+            <a:spLocks noGrp="1"/>
+          </p:cNvSpPr>
+          <p:nvPr>
+            <p:ph idx="1"/>
+          </p:nvPr>
+        </p:nvSpPr>
+        <p:spPr/>
+        <p:txBody>
+          <a:bodyPr>
+            <a:normAutofit/>
+          </a:bodyPr>
+          <a:lstStyle/>
+          <a:p>
+            <a:r>
+              <a:rPr lang="en-US" sz="2400" dirty="0" smtClean="0"/>
+              <a:t>A simple specification for </a:t>
+            </a:r>
+            <a:r>
+              <a:rPr lang="en-US" sz="2400" dirty="0" err="1" smtClean="0"/>
+              <a:t>Microservices</a:t>
+            </a:r>
+            <a:r>
+              <a:rPr lang="en-US" sz="2400" dirty="0" smtClean="0"/>
+              <a:t> based on Java EE</a:t>
+            </a:r>
+          </a:p>
+          <a:p>
+            <a:r>
+              <a:rPr lang="en-US" sz="2400" dirty="0" smtClean="0"/>
+              <a:t>JSON-P + CDI + JAX-RS</a:t>
+            </a:r>
+          </a:p>
+          <a:p>
+            <a:r>
+              <a:rPr lang="en-US" sz="2400" dirty="0" smtClean="0"/>
+              <a:t>Describes capabilities, not deployment models</a:t>
+            </a:r>
+            <a:endParaRPr lang="en-US" sz="2400" dirty="0"/>
+          </a:p>
+        </p:txBody>
+      </p:sp>
+    </p:spTree>
+    <p:extLst>
+      <p:ext uri="{BB962C8B-B14F-4D97-AF65-F5344CB8AC3E}">
+        <p14:creationId xmlns:p14="http://schemas.microsoft.com/office/powerpoint/2010/main" val="1794876690"/>
+      </p:ext>
+    </p:extLst>
+  </p:cSld>
+  <p:clrMapOvr>
+    <a:masterClrMapping/>
+  </p:clrMapOvr>
+  <p:timing>
+    <p:tnLst>
+      <p:par>
+        <p:cTn id="1" dur="indefinite" restart="never" nodeType="tmRoot"/>
+      </p:par>
+    </p:tnLst>
+  </p:timing>
+</p:sld>
+</file>
+
+<file path=ppt/slides/slide12.xml><?xml version="1.0" encoding="utf-8"?>
+<p:sld xmlns:a="http://schemas.openxmlformats.org/drawingml/2006/main" xmlns:r="http://schemas.openxmlformats.org/officeDocument/2006/relationships" xmlns:p="http://schemas.openxmlformats.org/presentationml/2006/main">
+  <p:cSld>
+    <p:spTree>
+      <p:nvGrpSpPr>
+        <p:cNvPr id="1" name=""/>
+        <p:cNvGrpSpPr/>
+        <p:nvPr/>
+      </p:nvGrpSpPr>
+      <p:grpSpPr>
+        <a:xfrm>
+          <a:off x="0" y="0"/>
+          <a:ext cx="0" cy="0"/>
+          <a:chOff x="0" y="0"/>
+          <a:chExt cx="0" cy="0"/>
+        </a:xfrm>
+      </p:grpSpPr>
+      <p:sp>
+        <p:nvSpPr>
+          <p:cNvPr id="2" name="Title 1"/>
+          <p:cNvSpPr>
+            <a:spLocks noGrp="1"/>
+          </p:cNvSpPr>
+          <p:nvPr>
+            <p:ph type="title"/>
+          </p:nvPr>
+        </p:nvSpPr>
+        <p:spPr/>
+        <p:txBody>
+          <a:bodyPr/>
+          <a:lstStyle/>
+          <a:p>
+            <a:r>
+              <a:rPr lang="en-US" dirty="0" smtClean="0"/>
+              <a:t>The Canonical Example</a:t>
+            </a:r>
+            <a:endParaRPr lang="en-US" dirty="0"/>
+          </a:p>
+        </p:txBody>
+      </p:sp>
+      <p:sp>
+        <p:nvSpPr>
+          <p:cNvPr id="3" name="Content Placeholder 2"/>
+          <p:cNvSpPr>
+            <a:spLocks noGrp="1"/>
+          </p:cNvSpPr>
+          <p:nvPr>
+            <p:ph idx="1"/>
+          </p:nvPr>
+        </p:nvSpPr>
+        <p:spPr/>
+        <p:txBody>
+          <a:bodyPr>
+            <a:normAutofit/>
+          </a:bodyPr>
+          <a:lstStyle/>
+          <a:p>
+            <a:r>
+              <a:rPr lang="en-US" sz="2400" dirty="0" smtClean="0"/>
+              <a:t>Very simple application to demonstrate the capabilities required</a:t>
+            </a:r>
+          </a:p>
+          <a:p>
+            <a:r>
+              <a:rPr lang="en-US" sz="2400" dirty="0" smtClean="0"/>
+              <a:t>Extended a bit to support good </a:t>
+            </a:r>
+            <a:r>
+              <a:rPr lang="en-US" sz="2400" smtClean="0"/>
+              <a:t>API documentation</a:t>
+            </a:r>
+            <a:endParaRPr lang="en-US" sz="2400" dirty="0"/>
+          </a:p>
+        </p:txBody>
+      </p:sp>
+    </p:spTree>
+    <p:extLst>
+      <p:ext uri="{BB962C8B-B14F-4D97-AF65-F5344CB8AC3E}">
+        <p14:creationId xmlns:p14="http://schemas.microsoft.com/office/powerpoint/2010/main" val="1896333179"/>
+      </p:ext>
+    </p:extLst>
+  </p:cSld>
+  <p:clrMapOvr>
+    <a:masterClrMapping/>
+  </p:clrMapOvr>
+  <p:timing>
+    <p:tnLst>
+      <p:par>
+        <p:cTn id="1" dur="indefinite" restart="never" nodeType="tmRoot"/>
+      </p:par>
+    </p:tnLst>
+  </p:timing>
+</p:sld>
+</file>
+
+<file path=ppt/slides/slide13.xml><?xml version="1.0" encoding="utf-8"?>
+<p:sld xmlns:a="http://schemas.openxmlformats.org/drawingml/2006/main" xmlns:r="http://schemas.openxmlformats.org/officeDocument/2006/relationships" xmlns:p="http://schemas.openxmlformats.org/presentationml/2006/main">
+  <p:cSld>
+    <p:spTree>
+      <p:nvGrpSpPr>
+        <p:cNvPr id="1" name=""/>
+        <p:cNvGrpSpPr/>
+        <p:nvPr/>
+      </p:nvGrpSpPr>
+      <p:grpSpPr>
+        <a:xfrm>
+          <a:off x="0" y="0"/>
+          <a:ext cx="0" cy="0"/>
+          <a:chOff x="0" y="0"/>
+          <a:chExt cx="0" cy="0"/>
+        </a:xfrm>
+      </p:grpSpPr>
+      <p:sp>
+        <p:nvSpPr>
+          <p:cNvPr id="2" name="Title 1"/>
+          <p:cNvSpPr>
+            <a:spLocks noGrp="1"/>
+          </p:cNvSpPr>
+          <p:nvPr>
+            <p:ph type="title"/>
+          </p:nvPr>
+        </p:nvSpPr>
+        <p:spPr/>
+        <p:txBody>
+          <a:bodyPr/>
+          <a:lstStyle/>
+          <a:p>
+            <a:r>
+              <a:rPr lang="en-US" dirty="0" smtClean="0"/>
+              <a:t>Using Hammock and </a:t>
+            </a:r>
+            <a:r>
+              <a:rPr lang="en-US" dirty="0" err="1" smtClean="0"/>
+              <a:t>Microprofile</a:t>
+            </a:r>
+            <a:endParaRPr lang="en-US" dirty="0"/>
+          </a:p>
+        </p:txBody>
+      </p:sp>
+      <p:sp>
+        <p:nvSpPr>
+          <p:cNvPr id="3" name="Content Placeholder 2"/>
+          <p:cNvSpPr>
+            <a:spLocks noGrp="1"/>
+          </p:cNvSpPr>
+          <p:nvPr>
+            <p:ph idx="1"/>
+          </p:nvPr>
+        </p:nvSpPr>
+        <p:spPr/>
+        <p:txBody>
+          <a:bodyPr>
+            <a:normAutofit/>
+          </a:bodyPr>
+          <a:lstStyle/>
+          <a:p>
+            <a:r>
+              <a:rPr lang="en-US" sz="2400" dirty="0" smtClean="0"/>
+              <a:t>A simple example, exposing an endpoint</a:t>
+            </a:r>
+            <a:endParaRPr lang="en-US" sz="2400" dirty="0"/>
+          </a:p>
+          <a:p>
+            <a:r>
+              <a:rPr lang="en-US" sz="2400" dirty="0" smtClean="0"/>
+              <a:t>Build it out</a:t>
+            </a:r>
+          </a:p>
+          <a:p>
+            <a:r>
+              <a:rPr lang="en-US" sz="2400" dirty="0" smtClean="0"/>
+              <a:t>Swagger, CORS support</a:t>
+            </a:r>
+          </a:p>
+          <a:p>
+            <a:r>
+              <a:rPr lang="en-US" sz="2400" dirty="0" smtClean="0"/>
+              <a:t>In a fully configurable manner</a:t>
+            </a:r>
+          </a:p>
+        </p:txBody>
+      </p:sp>
+    </p:spTree>
+    <p:extLst>
+      <p:ext uri="{BB962C8B-B14F-4D97-AF65-F5344CB8AC3E}">
+        <p14:creationId xmlns:p14="http://schemas.microsoft.com/office/powerpoint/2010/main" val="972906974"/>
+      </p:ext>
+    </p:extLst>
+  </p:cSld>
+  <p:clrMapOvr>
+    <a:masterClrMapping/>
+  </p:clrMapOvr>
+  <p:timing>
+    <p:tnLst>
+      <p:par>
+        <p:cTn id="1" dur="indefinite" restart="never" nodeType="tmRoot"/>
+      </p:par>
+    </p:tnLst>
+  </p:timing>
 </p:sld>
 </file>
 
@@ -5890,16 +6861,63 @@
           <a:lstStyle/>
           <a:p>
             <a:r>
-              <a:rPr lang="en-US" dirty="0">
-                <a:hlinkClick r:id="rId2"/>
+              <a:rPr lang="en-US" dirty="0" smtClean="0">
+                <a:solidFill>
+                  <a:schemeClr val="tx1"/>
+                </a:solidFill>
               </a:rPr>
               <a:t>https://</a:t>
             </a:r>
             <a:r>
+              <a:rPr lang="en-US" dirty="0" err="1" smtClean="0">
+                <a:solidFill>
+                  <a:schemeClr val="tx1"/>
+                </a:solidFill>
+              </a:rPr>
+              <a:t>github.com</a:t>
+            </a:r>
+            <a:r>
               <a:rPr lang="en-US" dirty="0" smtClean="0">
-                <a:hlinkClick r:id="rId2"/>
+                <a:solidFill>
+                  <a:schemeClr val="tx1"/>
+                </a:solidFill>
               </a:rPr>
-              <a:t>github.com/johnament/bootee</a:t>
+              <a:t>/</a:t>
+            </a:r>
+            <a:r>
+              <a:rPr lang="en-US" dirty="0" err="1" smtClean="0">
+                <a:solidFill>
+                  <a:schemeClr val="tx1"/>
+                </a:solidFill>
+              </a:rPr>
+              <a:t>johnament</a:t>
+            </a:r>
+            <a:r>
+              <a:rPr lang="en-US" dirty="0" smtClean="0">
+                <a:solidFill>
+                  <a:schemeClr val="tx1"/>
+                </a:solidFill>
+              </a:rPr>
+              <a:t>/bootee</a:t>
+            </a:r>
+            <a:endParaRPr lang="en-US" dirty="0" smtClean="0"/>
+          </a:p>
+          <a:p>
+            <a:r>
+              <a:rPr lang="en-US" dirty="0" smtClean="0"/>
+              <a:t>https</a:t>
+            </a:r>
+            <a:r>
+              <a:rPr lang="en-US" dirty="0"/>
+              <a:t>://</a:t>
+            </a:r>
+            <a:r>
+              <a:rPr lang="en-US" dirty="0" err="1"/>
+              <a:t>github.com</a:t>
+            </a:r>
+            <a:r>
+              <a:rPr lang="en-US" dirty="0"/>
+              <a:t>/hammock-project/hammock-examples</a:t>
             </a:r>
             <a:endParaRPr lang="en-US" dirty="0" smtClean="0"/>
           </a:p>
@@ -5918,6 +6936,13 @@
   <p:clrMapOvr>
     <a:masterClrMapping/>
   </p:clrMapOvr>
+  <p:timing>
+    <p:tnLst>
+      <p:par>
+        <p:cTn id="1" dur="indefinite" restart="never" nodeType="tmRoot"/>
+      </p:par>
+    </p:tnLst>
+  </p:timing>
 </p:sld>
 </file>
 
@@ -6045,6 +7070,13 @@
   <p:clrMapOvr>
     <a:masterClrMapping/>
   </p:clrMapOvr>
+  <p:timing>
+    <p:tnLst>
+      <p:par>
+        <p:cTn id="1" dur="indefinite" restart="never" nodeType="tmRoot"/>
+      </p:par>
+    </p:tnLst>
+  </p:timing>
 </p:sld>
 </file>
 
@@ -6140,6 +7172,13 @@
   <p:clrMapOvr>
     <a:masterClrMapping/>
   </p:clrMapOvr>
+  <p:timing>
+    <p:tnLst>
+      <p:par>
+        <p:cTn id="1" dur="indefinite" restart="never" nodeType="tmRoot"/>
+      </p:par>
+    </p:tnLst>
+  </p:timing>
 </p:sld>
 </file>
 
@@ -6223,6 +7262,13 @@
   <p:clrMapOvr>
     <a:masterClrMapping/>
   </p:clrMapOvr>
+  <p:timing>
+    <p:tnLst>
+      <p:par>
+        <p:cTn id="1" dur="indefinite" restart="never" nodeType="tmRoot"/>
+      </p:par>
+    </p:tnLst>
+  </p:timing>
 </p:sld>
 </file>
 
@@ -6305,6 +7351,13 @@
   <p:clrMapOvr>
     <a:masterClrMapping/>
   </p:clrMapOvr>
+  <p:timing>
+    <p:tnLst>
+      <p:par>
+        <p:cTn id="1" dur="indefinite" restart="never" nodeType="tmRoot"/>
+      </p:par>
+    </p:tnLst>
+  </p:timing>
 </p:sld>
 </file>
 
@@ -6395,6 +7448,13 @@
   <p:clrMapOvr>
     <a:masterClrMapping/>
   </p:clrMapOvr>
+  <p:timing>
+    <p:tnLst>
+      <p:par>
+        <p:cTn id="1" dur="indefinite" restart="never" nodeType="tmRoot"/>
+      </p:par>
+    </p:tnLst>
+  </p:timing>
 </p:sld>
 </file>
 
@@ -6495,6 +7555,13 @@
   <p:clrMapOvr>
     <a:masterClrMapping/>
   </p:clrMapOvr>
+  <p:timing>
+    <p:tnLst>
+      <p:par>
+        <p:cTn id="1" dur="indefinite" restart="never" nodeType="tmRoot"/>
+      </p:par>
+    </p:tnLst>
+  </p:timing>
 </p:sld>
 </file>
 
@@ -6579,6 +7646,13 @@
   <p:clrMapOvr>
     <a:masterClrMapping/>
   </p:clrMapOvr>
+  <p:timing>
+    <p:tnLst>
+      <p:par>
+        <p:cTn id="1" dur="indefinite" restart="never" nodeType="tmRoot"/>
+      </p:par>
+    </p:tnLst>
+  </p:timing>
 </p:sld>
 </file>
 
@@ -6599,28 +7673,28 @@
         <a:srgbClr val="EBEBEB"/>
       </a:lt2>
       <a:accent1>
-        <a:srgbClr val="90C226"/>
+        <a:srgbClr val="5FCBEF"/>
       </a:accent1>
       <a:accent2>
-        <a:srgbClr val="54A021"/>
+        <a:srgbClr val="2E83C3"/>
       </a:accent2>
       <a:accent3>
-        <a:srgbClr val="E6B91E"/>
+        <a:srgbClr val="42D0A2"/>
       </a:accent3>
       <a:accent4>
-        <a:srgbClr val="E76618"/>
+        <a:srgbClr val="2E946B"/>
       </a:accent4>
       <a:accent5>
-        <a:srgbClr val="C42F1A"/>
+        <a:srgbClr val="42B051"/>
       </a:accent5>
       <a:accent6>
-        <a:srgbClr val="918655"/>
+        <a:srgbClr val="96D141"/>
       </a:accent6>
       <a:hlink>
-        <a:srgbClr val="99CA3C"/>
+        <a:srgbClr val="3FCDE7"/>
       </a:hlink>
       <a:folHlink>
-        <a:srgbClr val="B9D181"/>
+        <a:srgbClr val="A9D3E1"/>
       </a:folHlink>
     </a:clrScheme>
     <a:fontScheme name="Facet">
@@ -6833,7 +7907,7 @@
   <a:extraClrSchemeLst/>
   <a:extLst>
     <a:ext uri="{05A4C25C-085E-4340-85A3-A5531E510DB2}">
-      <thm15:themeFamily xmlns:thm15="http://schemas.microsoft.com/office/thememl/2012/main" name="Facet" id="{C0C680CD-088A-49FC-A102-D699147F32B2}" vid="{CFBC31BA-B70F-4F30-BCAA-4F3011E16C4D}"/>
+      <thm15:themeFamily xmlns:thm15="http://schemas.microsoft.com/office/thememl/2012/main" name="Facet" id="{C0C680CD-088A-49FC-A102-D699147F32B2}" vid="{0B5AB586-D108-4FC1-8368-649FE654B894}"/>
     </a:ext>
   </a:extLst>
 </a:theme>

--- a/BootEE.pptx
+++ b/BootEE.pptx
@@ -6152,8 +6152,8 @@
         </p:nvSpPr>
         <p:spPr>
           <a:xfrm>
-            <a:off x="3992366" y="1816628"/>
-            <a:ext cx="1145026" cy="2646878"/>
+            <a:off x="3855784" y="1983967"/>
+            <a:ext cx="1145026" cy="1862048"/>
           </a:xfrm>
           <a:prstGeom prst="rect">
             <a:avLst/>
@@ -6168,7 +6168,7 @@
           <a:p>
             <a:pPr algn="ctr"/>
             <a:r>
-              <a:rPr lang="en-US" sz="16600" b="1" cap="none" spc="0" smtClean="0">
+              <a:rPr lang="en-US" sz="11500" b="1" cap="none" spc="0" dirty="0" smtClean="0">
                 <a:ln w="9525">
                   <a:solidFill>
                     <a:schemeClr val="bg1"/>
@@ -6188,7 +6188,7 @@
               </a:rPr>
               <a:t>&amp;</a:t>
             </a:r>
-            <a:endParaRPr lang="en-US" sz="16600" b="1" cap="none" spc="0" dirty="0">
+            <a:endParaRPr lang="en-US" sz="11500" b="1" cap="none" spc="0" dirty="0">
               <a:ln w="9525">
                 <a:solidFill>
                   <a:schemeClr val="bg1"/>

--- a/BootEE.pptx
+++ b/BootEE.pptx
@@ -8,16 +8,17 @@
     <p:sldId id="256" r:id="rId2"/>
     <p:sldId id="257" r:id="rId3"/>
     <p:sldId id="258" r:id="rId4"/>
-    <p:sldId id="259" r:id="rId5"/>
-    <p:sldId id="260" r:id="rId6"/>
-    <p:sldId id="261" r:id="rId7"/>
-    <p:sldId id="262" r:id="rId8"/>
-    <p:sldId id="263" r:id="rId9"/>
-    <p:sldId id="264" r:id="rId10"/>
-    <p:sldId id="265" r:id="rId11"/>
-    <p:sldId id="266" r:id="rId12"/>
-    <p:sldId id="268" r:id="rId13"/>
-    <p:sldId id="267" r:id="rId14"/>
+    <p:sldId id="269" r:id="rId5"/>
+    <p:sldId id="259" r:id="rId6"/>
+    <p:sldId id="260" r:id="rId7"/>
+    <p:sldId id="261" r:id="rId8"/>
+    <p:sldId id="262" r:id="rId9"/>
+    <p:sldId id="263" r:id="rId10"/>
+    <p:sldId id="264" r:id="rId11"/>
+    <p:sldId id="265" r:id="rId12"/>
+    <p:sldId id="266" r:id="rId13"/>
+    <p:sldId id="268" r:id="rId14"/>
+    <p:sldId id="267" r:id="rId15"/>
   </p:sldIdLst>
   <p:sldSz cx="12192000" cy="6858000"/>
   <p:notesSz cx="6858000" cy="9144000"/>
@@ -870,7 +871,7 @@
             <a:fld id="{B61BEF0D-F0BB-DE4B-95CE-6DB70DBA9567}" type="datetimeFigureOut">
               <a:rPr lang="en-US" smtClean="0"/>
               <a:pPr/>
-              <a:t>9/16/16</a:t>
+              <a:t>9/19/16</a:t>
             </a:fld>
             <a:endParaRPr lang="en-US" dirty="0"/>
           </a:p>
@@ -1123,7 +1124,7 @@
             <a:fld id="{B61BEF0D-F0BB-DE4B-95CE-6DB70DBA9567}" type="datetimeFigureOut">
               <a:rPr lang="en-US" smtClean="0"/>
               <a:pPr/>
-              <a:t>9/16/16</a:t>
+              <a:t>9/19/16</a:t>
             </a:fld>
             <a:endParaRPr lang="en-US" dirty="0"/>
           </a:p>
@@ -1439,7 +1440,7 @@
             <a:fld id="{B61BEF0D-F0BB-DE4B-95CE-6DB70DBA9567}" type="datetimeFigureOut">
               <a:rPr lang="en-US" smtClean="0"/>
               <a:pPr/>
-              <a:t>9/16/16</a:t>
+              <a:t>9/19/16</a:t>
             </a:fld>
             <a:endParaRPr lang="en-US" dirty="0"/>
           </a:p>
@@ -1774,7 +1775,7 @@
             <a:fld id="{B61BEF0D-F0BB-DE4B-95CE-6DB70DBA9567}" type="datetimeFigureOut">
               <a:rPr lang="en-US" smtClean="0"/>
               <a:pPr/>
-              <a:t>9/16/16</a:t>
+              <a:t>9/19/16</a:t>
             </a:fld>
             <a:endParaRPr lang="en-US" dirty="0"/>
           </a:p>
@@ -2090,7 +2091,7 @@
             <a:fld id="{B61BEF0D-F0BB-DE4B-95CE-6DB70DBA9567}" type="datetimeFigureOut">
               <a:rPr lang="en-US" smtClean="0"/>
               <a:pPr/>
-              <a:t>9/16/16</a:t>
+              <a:t>9/19/16</a:t>
             </a:fld>
             <a:endParaRPr lang="en-US" dirty="0"/>
           </a:p>
@@ -2485,7 +2486,7 @@
             <a:fld id="{B61BEF0D-F0BB-DE4B-95CE-6DB70DBA9567}" type="datetimeFigureOut">
               <a:rPr lang="en-US" smtClean="0"/>
               <a:pPr/>
-              <a:t>9/16/16</a:t>
+              <a:t>9/19/16</a:t>
             </a:fld>
             <a:endParaRPr lang="en-US" dirty="0"/>
           </a:p>
@@ -2656,7 +2657,7 @@
           <a:p>
             <a:fld id="{55C6B4A9-1611-4792-9094-5F34BCA07E0B}" type="datetimeFigureOut">
               <a:rPr lang="en-US" smtClean="0"/>
-              <a:t>9/16/16</a:t>
+              <a:t>9/19/16</a:t>
             </a:fld>
             <a:endParaRPr lang="en-US" dirty="0"/>
           </a:p>
@@ -2837,7 +2838,7 @@
             <a:fld id="{B61BEF0D-F0BB-DE4B-95CE-6DB70DBA9567}" type="datetimeFigureOut">
               <a:rPr lang="en-US" smtClean="0"/>
               <a:pPr/>
-              <a:t>9/16/16</a:t>
+              <a:t>9/19/16</a:t>
             </a:fld>
             <a:endParaRPr lang="en-US" dirty="0"/>
           </a:p>
@@ -3009,7 +3010,7 @@
             <a:fld id="{B61BEF0D-F0BB-DE4B-95CE-6DB70DBA9567}" type="datetimeFigureOut">
               <a:rPr lang="en-US" smtClean="0"/>
               <a:pPr/>
-              <a:t>9/16/16</a:t>
+              <a:t>9/19/16</a:t>
             </a:fld>
             <a:endParaRPr lang="en-US" dirty="0"/>
           </a:p>
@@ -3258,7 +3259,7 @@
             <a:fld id="{B61BEF0D-F0BB-DE4B-95CE-6DB70DBA9567}" type="datetimeFigureOut">
               <a:rPr lang="en-US" smtClean="0"/>
               <a:pPr/>
-              <a:t>9/16/16</a:t>
+              <a:t>9/19/16</a:t>
             </a:fld>
             <a:endParaRPr lang="en-US" dirty="0"/>
           </a:p>
@@ -3491,7 +3492,7 @@
           <a:p>
             <a:fld id="{EB712588-04B1-427B-82EE-E8DB90309F08}" type="datetimeFigureOut">
               <a:rPr lang="en-US" smtClean="0"/>
-              <a:t>9/16/16</a:t>
+              <a:t>9/19/16</a:t>
             </a:fld>
             <a:endParaRPr lang="en-US" dirty="0"/>
           </a:p>
@@ -3866,7 +3867,7 @@
             <a:fld id="{B61BEF0D-F0BB-DE4B-95CE-6DB70DBA9567}" type="datetimeFigureOut">
               <a:rPr lang="en-US" smtClean="0"/>
               <a:pPr/>
-              <a:t>9/16/16</a:t>
+              <a:t>9/19/16</a:t>
             </a:fld>
             <a:endParaRPr lang="en-US" dirty="0"/>
           </a:p>
@@ -3991,7 +3992,7 @@
             <a:fld id="{B61BEF0D-F0BB-DE4B-95CE-6DB70DBA9567}" type="datetimeFigureOut">
               <a:rPr lang="en-US" smtClean="0"/>
               <a:pPr/>
-              <a:t>9/16/16</a:t>
+              <a:t>9/19/16</a:t>
             </a:fld>
             <a:endParaRPr lang="en-US" dirty="0"/>
           </a:p>
@@ -4088,7 +4089,7 @@
             <a:fld id="{B61BEF0D-F0BB-DE4B-95CE-6DB70DBA9567}" type="datetimeFigureOut">
               <a:rPr lang="en-US" smtClean="0"/>
               <a:pPr/>
-              <a:t>9/16/16</a:t>
+              <a:t>9/19/16</a:t>
             </a:fld>
             <a:endParaRPr lang="en-US" dirty="0"/>
           </a:p>
@@ -4344,7 +4345,7 @@
           <a:p>
             <a:fld id="{42A54C80-263E-416B-A8E0-580EDEADCBDC}" type="datetimeFigureOut">
               <a:rPr lang="en-US" smtClean="0"/>
-              <a:t>9/16/16</a:t>
+              <a:t>9/19/16</a:t>
             </a:fld>
             <a:endParaRPr lang="en-US" dirty="0"/>
           </a:p>
@@ -4651,7 +4652,7 @@
             <a:fld id="{B61BEF0D-F0BB-DE4B-95CE-6DB70DBA9567}" type="datetimeFigureOut">
               <a:rPr lang="en-US" smtClean="0"/>
               <a:pPr/>
-              <a:t>9/16/16</a:t>
+              <a:t>9/19/16</a:t>
             </a:fld>
             <a:endParaRPr lang="en-US" dirty="0"/>
           </a:p>
@@ -5354,7 +5355,7 @@
             <a:fld id="{B61BEF0D-F0BB-DE4B-95CE-6DB70DBA9567}" type="datetimeFigureOut">
               <a:rPr lang="en-US" smtClean="0"/>
               <a:pPr/>
-              <a:t>9/16/16</a:t>
+              <a:t>9/19/16</a:t>
             </a:fld>
             <a:endParaRPr lang="en-US" dirty="0"/>
           </a:p>
@@ -6017,36 +6018,40 @@
           </a:prstGeom>
         </p:spPr>
       </p:pic>
-      <p:pic>
-        <p:nvPicPr>
-          <p:cNvPr id="6" name="Picture 5"/>
-          <p:cNvPicPr>
-            <a:picLocks noChangeAspect="1"/>
-          </p:cNvPicPr>
+      <p:sp>
+        <p:nvSpPr>
+          <p:cNvPr id="7" name="TextBox 6"/>
+          <p:cNvSpPr txBox="1"/>
           <p:nvPr/>
-        </p:nvPicPr>
-        <p:blipFill>
-          <a:blip r:embed="rId4">
-            <a:extLst>
-              <a:ext uri="{28A0092B-C50C-407E-A947-70E740481C1C}">
-                <a14:useLocalDpi xmlns:a14="http://schemas.microsoft.com/office/drawing/2010/main" val="0"/>
-              </a:ext>
-            </a:extLst>
-          </a:blip>
-          <a:stretch>
-            <a:fillRect/>
-          </a:stretch>
-        </p:blipFill>
+        </p:nvSpPr>
         <p:spPr>
           <a:xfrm>
-            <a:off x="551308" y="5576643"/>
-            <a:ext cx="3574693" cy="1217388"/>
+            <a:off x="1047964" y="5506948"/>
+            <a:ext cx="1483098" cy="369332"/>
           </a:xfrm>
           <a:prstGeom prst="rect">
             <a:avLst/>
           </a:prstGeom>
+          <a:noFill/>
         </p:spPr>
-      </p:pic>
+        <p:txBody>
+          <a:bodyPr wrap="none" rtlCol="0">
+            <a:spAutoFit/>
+          </a:bodyPr>
+          <a:lstStyle/>
+          <a:p>
+            <a:r>
+              <a:rPr lang="en-US" dirty="0" smtClean="0"/>
+              <a:t>@</a:t>
+            </a:r>
+            <a:r>
+              <a:rPr lang="en-US" dirty="0" err="1" smtClean="0"/>
+              <a:t>johnament</a:t>
+            </a:r>
+            <a:endParaRPr lang="en-US" dirty="0" smtClean="0"/>
+          </a:p>
+        </p:txBody>
+      </p:sp>
     </p:spTree>
     <p:extLst>
       <p:ext uri="{BB962C8B-B14F-4D97-AF65-F5344CB8AC3E}">
@@ -6068,6 +6073,97 @@
 </file>
 
 <file path=ppt/slides/slide10.xml><?xml version="1.0" encoding="utf-8"?>
+<p:sld xmlns:a="http://schemas.openxmlformats.org/drawingml/2006/main" xmlns:r="http://schemas.openxmlformats.org/officeDocument/2006/relationships" xmlns:p="http://schemas.openxmlformats.org/presentationml/2006/main">
+  <p:cSld>
+    <p:spTree>
+      <p:nvGrpSpPr>
+        <p:cNvPr id="1" name=""/>
+        <p:cNvGrpSpPr/>
+        <p:nvPr/>
+      </p:nvGrpSpPr>
+      <p:grpSpPr>
+        <a:xfrm>
+          <a:off x="0" y="0"/>
+          <a:ext cx="0" cy="0"/>
+          <a:chOff x="0" y="0"/>
+          <a:chExt cx="0" cy="0"/>
+        </a:xfrm>
+      </p:grpSpPr>
+      <p:sp>
+        <p:nvSpPr>
+          <p:cNvPr id="2" name="Title 1"/>
+          <p:cNvSpPr>
+            <a:spLocks noGrp="1"/>
+          </p:cNvSpPr>
+          <p:nvPr>
+            <p:ph type="title"/>
+          </p:nvPr>
+        </p:nvSpPr>
+        <p:spPr/>
+        <p:txBody>
+          <a:bodyPr/>
+          <a:lstStyle/>
+          <a:p>
+            <a:r>
+              <a:rPr lang="en-US" dirty="0" smtClean="0"/>
+              <a:t>Lets cross the train tracks</a:t>
+            </a:r>
+            <a:endParaRPr lang="en-US" dirty="0"/>
+          </a:p>
+        </p:txBody>
+      </p:sp>
+      <p:sp>
+        <p:nvSpPr>
+          <p:cNvPr id="3" name="Content Placeholder 2"/>
+          <p:cNvSpPr>
+            <a:spLocks noGrp="1"/>
+          </p:cNvSpPr>
+          <p:nvPr>
+            <p:ph idx="1"/>
+          </p:nvPr>
+        </p:nvSpPr>
+        <p:spPr/>
+        <p:txBody>
+          <a:bodyPr>
+            <a:normAutofit/>
+          </a:bodyPr>
+          <a:lstStyle/>
+          <a:p>
+            <a:r>
+              <a:rPr lang="en-US" sz="2400" dirty="0" smtClean="0"/>
+              <a:t>Sure, we can add components on top of an application server</a:t>
+            </a:r>
+          </a:p>
+          <a:p>
+            <a:r>
+              <a:rPr lang="en-US" sz="2400" dirty="0" smtClean="0"/>
+              <a:t>We can also build EE specs on top of Spring Boot</a:t>
+            </a:r>
+            <a:endParaRPr lang="en-US" sz="2400" dirty="0"/>
+          </a:p>
+        </p:txBody>
+      </p:sp>
+    </p:spTree>
+    <p:extLst>
+      <p:ext uri="{BB962C8B-B14F-4D97-AF65-F5344CB8AC3E}">
+        <p14:creationId xmlns:p14="http://schemas.microsoft.com/office/powerpoint/2010/main" val="2095369937"/>
+      </p:ext>
+    </p:extLst>
+  </p:cSld>
+  <p:clrMapOvr>
+    <a:masterClrMapping/>
+  </p:clrMapOvr>
+  <p:timing>
+    <p:tnLst>
+      <p:par>
+        <p:cTn id="1" dur="indefinite" restart="never" nodeType="tmRoot"/>
+      </p:par>
+    </p:tnLst>
+  </p:timing>
+</p:sld>
+</file>
+
+<file path=ppt/slides/slide11.xml><?xml version="1.0" encoding="utf-8"?>
 <p:sld xmlns:a="http://schemas.openxmlformats.org/drawingml/2006/main" xmlns:r="http://schemas.openxmlformats.org/officeDocument/2006/relationships" xmlns:p="http://schemas.openxmlformats.org/presentationml/2006/main">
   <p:cSld>
     <p:spTree>
@@ -6452,11 +6548,7 @@
           <a:p>
             <a:r>
               <a:rPr lang="en-US" sz="2400" dirty="0" smtClean="0"/>
-              <a:t>Building Java EE applications </a:t>
-            </a:r>
-            <a:r>
-              <a:rPr lang="en-US" sz="2400" dirty="0" smtClean="0"/>
-              <a:t>on a </a:t>
+              <a:t>Building Java EE applications on a </a:t>
             </a:r>
             <a:r>
               <a:rPr lang="en-US" sz="2400" dirty="0" err="1" smtClean="0"/>
@@ -6474,119 +6566,6 @@
     <p:extLst>
       <p:ext uri="{BB962C8B-B14F-4D97-AF65-F5344CB8AC3E}">
         <p14:creationId xmlns:p14="http://schemas.microsoft.com/office/powerpoint/2010/main" val="681938901"/>
-      </p:ext>
-    </p:extLst>
-  </p:cSld>
-  <p:clrMapOvr>
-    <a:masterClrMapping/>
-  </p:clrMapOvr>
-  <p:timing>
-    <p:tnLst>
-      <p:par>
-        <p:cTn id="1" dur="indefinite" restart="never" nodeType="tmRoot"/>
-      </p:par>
-    </p:tnLst>
-  </p:timing>
-</p:sld>
-</file>
-
-<file path=ppt/slides/slide11.xml><?xml version="1.0" encoding="utf-8"?>
-<p:sld xmlns:a="http://schemas.openxmlformats.org/drawingml/2006/main" xmlns:r="http://schemas.openxmlformats.org/officeDocument/2006/relationships" xmlns:p="http://schemas.openxmlformats.org/presentationml/2006/main">
-  <p:cSld>
-    <p:spTree>
-      <p:nvGrpSpPr>
-        <p:cNvPr id="1" name=""/>
-        <p:cNvGrpSpPr/>
-        <p:nvPr/>
-      </p:nvGrpSpPr>
-      <p:grpSpPr>
-        <a:xfrm>
-          <a:off x="0" y="0"/>
-          <a:ext cx="0" cy="0"/>
-          <a:chOff x="0" y="0"/>
-          <a:chExt cx="0" cy="0"/>
-        </a:xfrm>
-      </p:grpSpPr>
-      <p:sp>
-        <p:nvSpPr>
-          <p:cNvPr id="2" name="Title 1"/>
-          <p:cNvSpPr>
-            <a:spLocks noGrp="1"/>
-          </p:cNvSpPr>
-          <p:nvPr>
-            <p:ph type="title"/>
-          </p:nvPr>
-        </p:nvSpPr>
-        <p:spPr/>
-        <p:txBody>
-          <a:bodyPr/>
-          <a:lstStyle/>
-          <a:p>
-            <a:r>
-              <a:rPr lang="en-US" dirty="0" smtClean="0"/>
-              <a:t>What is </a:t>
-            </a:r>
-            <a:r>
-              <a:rPr lang="en-US" dirty="0" err="1" smtClean="0"/>
-              <a:t>Microprofile</a:t>
-            </a:r>
-            <a:r>
-              <a:rPr lang="en-US" dirty="0" smtClean="0"/>
-              <a:t>?</a:t>
-            </a:r>
-            <a:endParaRPr lang="en-US" dirty="0"/>
-          </a:p>
-        </p:txBody>
-      </p:sp>
-      <p:sp>
-        <p:nvSpPr>
-          <p:cNvPr id="3" name="Content Placeholder 2"/>
-          <p:cNvSpPr>
-            <a:spLocks noGrp="1"/>
-          </p:cNvSpPr>
-          <p:nvPr>
-            <p:ph idx="1"/>
-          </p:nvPr>
-        </p:nvSpPr>
-        <p:spPr/>
-        <p:txBody>
-          <a:bodyPr>
-            <a:normAutofit/>
-          </a:bodyPr>
-          <a:lstStyle/>
-          <a:p>
-            <a:r>
-              <a:rPr lang="en-US" sz="2400" dirty="0" smtClean="0"/>
-              <a:t>A simple specification for </a:t>
-            </a:r>
-            <a:r>
-              <a:rPr lang="en-US" sz="2400" dirty="0" err="1" smtClean="0"/>
-              <a:t>Microservices</a:t>
-            </a:r>
-            <a:r>
-              <a:rPr lang="en-US" sz="2400" dirty="0" smtClean="0"/>
-              <a:t> based on Java EE</a:t>
-            </a:r>
-          </a:p>
-          <a:p>
-            <a:r>
-              <a:rPr lang="en-US" sz="2400" dirty="0" smtClean="0"/>
-              <a:t>JSON-P + CDI + JAX-RS</a:t>
-            </a:r>
-          </a:p>
-          <a:p>
-            <a:r>
-              <a:rPr lang="en-US" sz="2400" dirty="0" smtClean="0"/>
-              <a:t>Describes capabilities, not deployment models</a:t>
-            </a:r>
-            <a:endParaRPr lang="en-US" sz="2400" dirty="0"/>
-          </a:p>
-        </p:txBody>
-      </p:sp>
-    </p:spTree>
-    <p:extLst>
-      <p:ext uri="{BB962C8B-B14F-4D97-AF65-F5344CB8AC3E}">
-        <p14:creationId xmlns:p14="http://schemas.microsoft.com/office/powerpoint/2010/main" val="1794876690"/>
       </p:ext>
     </p:extLst>
   </p:cSld>
@@ -6637,6 +6616,119 @@
           <a:p>
             <a:r>
               <a:rPr lang="en-US" dirty="0" smtClean="0"/>
+              <a:t>What is </a:t>
+            </a:r>
+            <a:r>
+              <a:rPr lang="en-US" dirty="0" err="1" smtClean="0"/>
+              <a:t>Microprofile</a:t>
+            </a:r>
+            <a:r>
+              <a:rPr lang="en-US" dirty="0" smtClean="0"/>
+              <a:t>?</a:t>
+            </a:r>
+            <a:endParaRPr lang="en-US" dirty="0"/>
+          </a:p>
+        </p:txBody>
+      </p:sp>
+      <p:sp>
+        <p:nvSpPr>
+          <p:cNvPr id="3" name="Content Placeholder 2"/>
+          <p:cNvSpPr>
+            <a:spLocks noGrp="1"/>
+          </p:cNvSpPr>
+          <p:nvPr>
+            <p:ph idx="1"/>
+          </p:nvPr>
+        </p:nvSpPr>
+        <p:spPr/>
+        <p:txBody>
+          <a:bodyPr>
+            <a:normAutofit/>
+          </a:bodyPr>
+          <a:lstStyle/>
+          <a:p>
+            <a:r>
+              <a:rPr lang="en-US" sz="2400" dirty="0" smtClean="0"/>
+              <a:t>A simple specification for </a:t>
+            </a:r>
+            <a:r>
+              <a:rPr lang="en-US" sz="2400" dirty="0" err="1" smtClean="0"/>
+              <a:t>Microservices</a:t>
+            </a:r>
+            <a:r>
+              <a:rPr lang="en-US" sz="2400" dirty="0" smtClean="0"/>
+              <a:t> based on Java EE</a:t>
+            </a:r>
+          </a:p>
+          <a:p>
+            <a:r>
+              <a:rPr lang="en-US" sz="2400" dirty="0" smtClean="0"/>
+              <a:t>JSON-P + CDI + JAX-RS</a:t>
+            </a:r>
+          </a:p>
+          <a:p>
+            <a:r>
+              <a:rPr lang="en-US" sz="2400" dirty="0" smtClean="0"/>
+              <a:t>Describes capabilities, not deployment models</a:t>
+            </a:r>
+            <a:endParaRPr lang="en-US" sz="2400" dirty="0"/>
+          </a:p>
+        </p:txBody>
+      </p:sp>
+    </p:spTree>
+    <p:extLst>
+      <p:ext uri="{BB962C8B-B14F-4D97-AF65-F5344CB8AC3E}">
+        <p14:creationId xmlns:p14="http://schemas.microsoft.com/office/powerpoint/2010/main" val="1794876690"/>
+      </p:ext>
+    </p:extLst>
+  </p:cSld>
+  <p:clrMapOvr>
+    <a:masterClrMapping/>
+  </p:clrMapOvr>
+  <p:timing>
+    <p:tnLst>
+      <p:par>
+        <p:cTn id="1" dur="indefinite" restart="never" nodeType="tmRoot"/>
+      </p:par>
+    </p:tnLst>
+  </p:timing>
+</p:sld>
+</file>
+
+<file path=ppt/slides/slide13.xml><?xml version="1.0" encoding="utf-8"?>
+<p:sld xmlns:a="http://schemas.openxmlformats.org/drawingml/2006/main" xmlns:r="http://schemas.openxmlformats.org/officeDocument/2006/relationships" xmlns:p="http://schemas.openxmlformats.org/presentationml/2006/main">
+  <p:cSld>
+    <p:spTree>
+      <p:nvGrpSpPr>
+        <p:cNvPr id="1" name=""/>
+        <p:cNvGrpSpPr/>
+        <p:nvPr/>
+      </p:nvGrpSpPr>
+      <p:grpSpPr>
+        <a:xfrm>
+          <a:off x="0" y="0"/>
+          <a:ext cx="0" cy="0"/>
+          <a:chOff x="0" y="0"/>
+          <a:chExt cx="0" cy="0"/>
+        </a:xfrm>
+      </p:grpSpPr>
+      <p:sp>
+        <p:nvSpPr>
+          <p:cNvPr id="2" name="Title 1"/>
+          <p:cNvSpPr>
+            <a:spLocks noGrp="1"/>
+          </p:cNvSpPr>
+          <p:nvPr>
+            <p:ph type="title"/>
+          </p:nvPr>
+        </p:nvSpPr>
+        <p:spPr/>
+        <p:txBody>
+          <a:bodyPr/>
+          <a:lstStyle/>
+          <a:p>
+            <a:r>
+              <a:rPr lang="en-US" dirty="0" smtClean="0"/>
               <a:t>The Canonical Example</a:t>
             </a:r>
             <a:endParaRPr lang="en-US" dirty="0"/>
@@ -6698,7 +6790,7 @@
 </p:sld>
 </file>
 
-<file path=ppt/slides/slide13.xml><?xml version="1.0" encoding="utf-8"?>
+<file path=ppt/slides/slide14.xml><?xml version="1.0" encoding="utf-8"?>
 <p:sld xmlns:a="http://schemas.openxmlformats.org/drawingml/2006/main" xmlns:r="http://schemas.openxmlformats.org/officeDocument/2006/relationships" xmlns:p="http://schemas.openxmlformats.org/presentationml/2006/main">
   <p:cSld>
     <p:spTree>
@@ -6980,7 +7072,7 @@
           <a:p>
             <a:r>
               <a:rPr lang="en-US" dirty="0" smtClean="0"/>
-              <a:t>The Tech</a:t>
+              <a:t>Why are you here?</a:t>
             </a:r>
             <a:endParaRPr lang="en-US" dirty="0"/>
           </a:p>
@@ -7005,57 +7097,32 @@
           <a:p>
             <a:r>
               <a:rPr lang="en-US" sz="2400" dirty="0" smtClean="0"/>
-              <a:t>Apache </a:t>
+              <a:t>You saw a session named “</a:t>
             </a:r>
             <a:r>
               <a:rPr lang="en-US" sz="2400" dirty="0" err="1" smtClean="0"/>
-              <a:t>TomEE</a:t>
+              <a:t>BootEE</a:t>
             </a:r>
             <a:r>
               <a:rPr lang="en-US" sz="2400" dirty="0" smtClean="0"/>
-              <a:t> Embedded</a:t>
-            </a:r>
-          </a:p>
-          <a:p>
+              <a:t>” and figured it had to be fun?</a:t>
+            </a:r>
+          </a:p>
+          <a:p>
+            <a:r>
+              <a:rPr lang="en-US" sz="2400" dirty="0" smtClean="0"/>
+              <a:t>You wanted to learn a bit about mix ups between Java EE and </a:t>
+            </a:r>
             <a:r>
               <a:rPr lang="en-US" sz="2400" dirty="0" err="1" smtClean="0"/>
-              <a:t>Wildfly</a:t>
+              <a:t>Microservices</a:t>
             </a:r>
             <a:r>
               <a:rPr lang="en-US" sz="2400" dirty="0" smtClean="0"/>
-              <a:t> Swarm</a:t>
-            </a:r>
-          </a:p>
-          <a:p>
-            <a:r>
-              <a:rPr lang="en-US" sz="2400" dirty="0" smtClean="0"/>
-              <a:t>Spring Boot</a:t>
-            </a:r>
-          </a:p>
-          <a:p>
-            <a:r>
-              <a:rPr lang="en-US" sz="2400" dirty="0" smtClean="0"/>
-              <a:t>Jetty</a:t>
-            </a:r>
-          </a:p>
-          <a:p>
-            <a:r>
-              <a:rPr lang="en-US" sz="2400" dirty="0" err="1" smtClean="0"/>
-              <a:t>DropWizard</a:t>
-            </a:r>
-            <a:endParaRPr lang="en-US" sz="2400" dirty="0" smtClean="0"/>
-          </a:p>
-          <a:p>
-            <a:r>
-              <a:rPr lang="en-US" sz="2400" dirty="0" smtClean="0"/>
-              <a:t>Spark Java</a:t>
-            </a:r>
-          </a:p>
-          <a:p>
-            <a:r>
-              <a:rPr lang="en-US" sz="2400" dirty="0" smtClean="0"/>
-              <a:t>Many, many more</a:t>
-            </a:r>
+              <a:t>?</a:t>
+            </a:r>
+          </a:p>
+          <a:p>
             <a:endParaRPr lang="en-US" sz="2400" dirty="0"/>
           </a:p>
         </p:txBody>
@@ -7114,7 +7181,7 @@
           <a:p>
             <a:r>
               <a:rPr lang="en-US" dirty="0" smtClean="0"/>
-              <a:t>What’s Important to You?</a:t>
+              <a:t>The Tech</a:t>
             </a:r>
             <a:endParaRPr lang="en-US" dirty="0"/>
           </a:p>
@@ -7139,25 +7206,57 @@
           <a:p>
             <a:r>
               <a:rPr lang="en-US" sz="2400" dirty="0" smtClean="0"/>
-              <a:t>Programming Model</a:t>
-            </a:r>
-          </a:p>
-          <a:p>
+              <a:t>Apache </a:t>
+            </a:r>
+            <a:r>
+              <a:rPr lang="en-US" sz="2400" dirty="0" err="1" smtClean="0"/>
+              <a:t>TomEE</a:t>
+            </a:r>
             <a:r>
               <a:rPr lang="en-US" sz="2400" dirty="0" smtClean="0"/>
-              <a:t>Platform Richness</a:t>
-            </a:r>
-          </a:p>
-          <a:p>
+              <a:t> Embedded</a:t>
+            </a:r>
+          </a:p>
+          <a:p>
+            <a:r>
+              <a:rPr lang="en-US" sz="2400" dirty="0" err="1" smtClean="0"/>
+              <a:t>Wildfly</a:t>
+            </a:r>
             <a:r>
               <a:rPr lang="en-US" sz="2400" dirty="0" smtClean="0"/>
-              <a:t>Standards Based</a:t>
-            </a:r>
-          </a:p>
-          <a:p>
+              <a:t> Swarm</a:t>
+            </a:r>
+          </a:p>
+          <a:p>
+            <a:r>
+              <a:rPr lang="en-US" sz="2400" dirty="0" smtClean="0"/>
+              <a:t>Spring Boot</a:t>
+            </a:r>
+          </a:p>
+          <a:p>
+            <a:r>
+              <a:rPr lang="en-US" sz="2400" dirty="0" smtClean="0"/>
+              <a:t>Jetty</a:t>
+            </a:r>
+          </a:p>
+          <a:p>
+            <a:r>
+              <a:rPr lang="en-US" sz="2400" dirty="0" err="1" smtClean="0"/>
+              <a:t>DropWizard</a:t>
+            </a:r>
             <a:endParaRPr lang="en-US" sz="2400" dirty="0" smtClean="0"/>
           </a:p>
           <a:p>
+            <a:r>
+              <a:rPr lang="en-US" sz="2400" dirty="0" smtClean="0"/>
+              <a:t>Spark Java</a:t>
+            </a:r>
+          </a:p>
+          <a:p>
+            <a:r>
+              <a:rPr lang="en-US" sz="2400" dirty="0" smtClean="0"/>
+              <a:t>Many, many more</a:t>
+            </a:r>
             <a:endParaRPr lang="en-US" sz="2400" dirty="0"/>
           </a:p>
         </p:txBody>
@@ -7165,7 +7264,7 @@
     </p:spTree>
     <p:extLst>
       <p:ext uri="{BB962C8B-B14F-4D97-AF65-F5344CB8AC3E}">
-        <p14:creationId xmlns:p14="http://schemas.microsoft.com/office/powerpoint/2010/main" val="493807873"/>
+        <p14:creationId xmlns:p14="http://schemas.microsoft.com/office/powerpoint/2010/main" val="1860916806"/>
       </p:ext>
     </p:extLst>
   </p:cSld>
@@ -7240,22 +7339,34 @@
           <a:lstStyle/>
           <a:p>
             <a:r>
-              <a:rPr lang="en-US" sz="3200" dirty="0" smtClean="0"/>
-              <a:t>Use the right tools at the right time</a:t>
-            </a:r>
-          </a:p>
-          <a:p>
-            <a:endParaRPr lang="en-US" sz="3200" dirty="0" smtClean="0"/>
-          </a:p>
-          <a:p>
-            <a:endParaRPr lang="en-US" sz="3200" dirty="0"/>
+              <a:rPr lang="en-US" sz="2400" dirty="0" smtClean="0"/>
+              <a:t>Programming Model</a:t>
+            </a:r>
+          </a:p>
+          <a:p>
+            <a:r>
+              <a:rPr lang="en-US" sz="2400" dirty="0" smtClean="0"/>
+              <a:t>Platform Richness</a:t>
+            </a:r>
+          </a:p>
+          <a:p>
+            <a:r>
+              <a:rPr lang="en-US" sz="2400" dirty="0" smtClean="0"/>
+              <a:t>Standards Based</a:t>
+            </a:r>
+          </a:p>
+          <a:p>
+            <a:endParaRPr lang="en-US" sz="2400" dirty="0" smtClean="0"/>
+          </a:p>
+          <a:p>
+            <a:endParaRPr lang="en-US" sz="2400" dirty="0"/>
           </a:p>
         </p:txBody>
       </p:sp>
     </p:spTree>
     <p:extLst>
       <p:ext uri="{BB962C8B-B14F-4D97-AF65-F5344CB8AC3E}">
-        <p14:creationId xmlns:p14="http://schemas.microsoft.com/office/powerpoint/2010/main" val="949330524"/>
+        <p14:creationId xmlns:p14="http://schemas.microsoft.com/office/powerpoint/2010/main" val="493807873"/>
       </p:ext>
     </p:extLst>
   </p:cSld>
@@ -7306,7 +7417,7 @@
           <a:p>
             <a:r>
               <a:rPr lang="en-US" dirty="0" smtClean="0"/>
-              <a:t>Its ok to Start Simple</a:t>
+              <a:t>What’s Important to You?</a:t>
             </a:r>
             <a:endParaRPr lang="en-US" dirty="0"/>
           </a:p>
@@ -7324,27 +7435,28 @@
         </p:nvSpPr>
         <p:spPr/>
         <p:txBody>
-          <a:bodyPr/>
-          <a:lstStyle/>
-          <a:p>
-            <a:r>
-              <a:rPr lang="en-US" dirty="0" smtClean="0"/>
-              <a:t>Sometimes, having a plain Jetty server hosting some files may make sense</a:t>
-            </a:r>
-          </a:p>
-          <a:p>
-            <a:r>
-              <a:rPr lang="en-US" dirty="0" smtClean="0"/>
-              <a:t>A web server may not be its key component, but you want someway to reach out and touch someone</a:t>
-            </a:r>
-            <a:endParaRPr lang="en-US" dirty="0"/>
+          <a:bodyPr>
+            <a:normAutofit/>
+          </a:bodyPr>
+          <a:lstStyle/>
+          <a:p>
+            <a:r>
+              <a:rPr lang="en-US" sz="3200" dirty="0" smtClean="0"/>
+              <a:t>Use the right tools at the right time</a:t>
+            </a:r>
+          </a:p>
+          <a:p>
+            <a:endParaRPr lang="en-US" sz="3200" dirty="0" smtClean="0"/>
+          </a:p>
+          <a:p>
+            <a:endParaRPr lang="en-US" sz="3200" dirty="0"/>
           </a:p>
         </p:txBody>
       </p:sp>
     </p:spTree>
     <p:extLst>
       <p:ext uri="{BB962C8B-B14F-4D97-AF65-F5344CB8AC3E}">
-        <p14:creationId xmlns:p14="http://schemas.microsoft.com/office/powerpoint/2010/main" val="1540652507"/>
+        <p14:creationId xmlns:p14="http://schemas.microsoft.com/office/powerpoint/2010/main" val="949330524"/>
       </p:ext>
     </p:extLst>
   </p:cSld>
@@ -7395,7 +7507,7 @@
           <a:p>
             <a:r>
               <a:rPr lang="en-US" dirty="0" smtClean="0"/>
-              <a:t>Building Reactive on a Servlet Container</a:t>
+              <a:t>Its ok to Start Simple</a:t>
             </a:r>
             <a:endParaRPr lang="en-US" dirty="0"/>
           </a:p>
@@ -7413,35 +7525,27 @@
         </p:nvSpPr>
         <p:spPr/>
         <p:txBody>
-          <a:bodyPr>
-            <a:normAutofit/>
-          </a:bodyPr>
-          <a:lstStyle/>
-          <a:p>
-            <a:r>
-              <a:rPr lang="en-US" sz="2400" dirty="0" smtClean="0"/>
-              <a:t>Spark Java is an awesome little framework for building reactive REST APIs</a:t>
-            </a:r>
-          </a:p>
-          <a:p>
-            <a:r>
-              <a:rPr lang="en-US" sz="2400" dirty="0" smtClean="0"/>
-              <a:t>Its nice, compact and clean to read</a:t>
-            </a:r>
-          </a:p>
-          <a:p>
-            <a:r>
-              <a:rPr lang="en-US" sz="2400" dirty="0" smtClean="0"/>
-              <a:t>But it only tackles the REST API part..</a:t>
-            </a:r>
-            <a:endParaRPr lang="en-US" sz="2400" dirty="0"/>
+          <a:bodyPr/>
+          <a:lstStyle/>
+          <a:p>
+            <a:r>
+              <a:rPr lang="en-US" dirty="0" smtClean="0"/>
+              <a:t>Sometimes, having a plain Jetty server hosting some files may make sense</a:t>
+            </a:r>
+          </a:p>
+          <a:p>
+            <a:r>
+              <a:rPr lang="en-US" dirty="0" smtClean="0"/>
+              <a:t>A web server may not be its key component, but you want someway to reach out and touch someone</a:t>
+            </a:r>
+            <a:endParaRPr lang="en-US" dirty="0"/>
           </a:p>
         </p:txBody>
       </p:sp>
     </p:spTree>
     <p:extLst>
       <p:ext uri="{BB962C8B-B14F-4D97-AF65-F5344CB8AC3E}">
-        <p14:creationId xmlns:p14="http://schemas.microsoft.com/office/powerpoint/2010/main" val="2067220997"/>
+        <p14:creationId xmlns:p14="http://schemas.microsoft.com/office/powerpoint/2010/main" val="1540652507"/>
       </p:ext>
     </p:extLst>
   </p:cSld>
@@ -7492,7 +7596,7 @@
           <a:p>
             <a:r>
               <a:rPr lang="en-US" dirty="0" smtClean="0"/>
-              <a:t>Mixing EE and Reactive</a:t>
+              <a:t>Building Reactive on a Servlet Container</a:t>
             </a:r>
             <a:endParaRPr lang="en-US" dirty="0"/>
           </a:p>
@@ -7517,29 +7621,19 @@
           <a:p>
             <a:r>
               <a:rPr lang="en-US" sz="2400" dirty="0" smtClean="0"/>
-              <a:t>This presentation would be pretty boring if you couldn’t make this work</a:t>
-            </a:r>
-            <a:r>
-              <a:rPr lang="is-IS" sz="2400" dirty="0" smtClean="0"/>
-              <a:t>…</a:t>
-            </a:r>
-          </a:p>
-          <a:p>
-            <a:r>
-              <a:rPr lang="is-IS" sz="2400" dirty="0" smtClean="0"/>
-              <a:t>Its quite easy to take something Reactive like Spark Java, run it in a container, and leverage capabilities from the container</a:t>
-            </a:r>
-          </a:p>
-          <a:p>
-            <a:r>
-              <a:rPr lang="is-IS" sz="2400" dirty="0" smtClean="0"/>
-              <a:t>It may make sense to use CDI to back your API calls to perform business logic</a:t>
-            </a:r>
-          </a:p>
-          <a:p>
-            <a:r>
-              <a:rPr lang="is-IS" sz="2400" dirty="0" smtClean="0"/>
-              <a:t>// add arquillian tests here</a:t>
+              <a:t>Spark Java is an awesome little framework for building reactive REST APIs</a:t>
+            </a:r>
+          </a:p>
+          <a:p>
+            <a:r>
+              <a:rPr lang="en-US" sz="2400" dirty="0" smtClean="0"/>
+              <a:t>Its nice, compact and clean to read</a:t>
+            </a:r>
+          </a:p>
+          <a:p>
+            <a:r>
+              <a:rPr lang="en-US" sz="2400" dirty="0" smtClean="0"/>
+              <a:t>But it only tackles the REST API part..</a:t>
             </a:r>
             <a:endParaRPr lang="en-US" sz="2400" dirty="0"/>
           </a:p>
@@ -7548,7 +7642,7 @@
     </p:spTree>
     <p:extLst>
       <p:ext uri="{BB962C8B-B14F-4D97-AF65-F5344CB8AC3E}">
-        <p14:creationId xmlns:p14="http://schemas.microsoft.com/office/powerpoint/2010/main" val="1631873947"/>
+        <p14:creationId xmlns:p14="http://schemas.microsoft.com/office/powerpoint/2010/main" val="2067220997"/>
       </p:ext>
     </p:extLst>
   </p:cSld>
@@ -7599,7 +7693,7 @@
           <a:p>
             <a:r>
               <a:rPr lang="en-US" dirty="0" smtClean="0"/>
-              <a:t>Lets cross the train tracks</a:t>
+              <a:t>Mixing EE and Reactive</a:t>
             </a:r>
             <a:endParaRPr lang="en-US" dirty="0"/>
           </a:p>
@@ -7624,13 +7718,29 @@
           <a:p>
             <a:r>
               <a:rPr lang="en-US" sz="2400" dirty="0" smtClean="0"/>
-              <a:t>Sure, we can add components on top of an application server</a:t>
-            </a:r>
-          </a:p>
-          <a:p>
-            <a:r>
-              <a:rPr lang="en-US" sz="2400" dirty="0" smtClean="0"/>
-              <a:t>We can also build EE specs on top of Spring Boot</a:t>
+              <a:t>This presentation would be pretty boring if you couldn’t make this work</a:t>
+            </a:r>
+            <a:r>
+              <a:rPr lang="is-IS" sz="2400" dirty="0" smtClean="0"/>
+              <a:t>…</a:t>
+            </a:r>
+          </a:p>
+          <a:p>
+            <a:r>
+              <a:rPr lang="is-IS" sz="2400" dirty="0" smtClean="0"/>
+              <a:t>Its quite easy to take something Reactive like Spark Java, run it in a container, and leverage capabilities from the container</a:t>
+            </a:r>
+          </a:p>
+          <a:p>
+            <a:r>
+              <a:rPr lang="is-IS" sz="2400" dirty="0" smtClean="0"/>
+              <a:t>It may make sense to use CDI to back your API calls to perform business logic</a:t>
+            </a:r>
+          </a:p>
+          <a:p>
+            <a:r>
+              <a:rPr lang="is-IS" sz="2400" dirty="0" smtClean="0"/>
+              <a:t>// add arquillian tests here</a:t>
             </a:r>
             <a:endParaRPr lang="en-US" sz="2400" dirty="0"/>
           </a:p>
@@ -7639,7 +7749,7 @@
     </p:spTree>
     <p:extLst>
       <p:ext uri="{BB962C8B-B14F-4D97-AF65-F5344CB8AC3E}">
-        <p14:creationId xmlns:p14="http://schemas.microsoft.com/office/powerpoint/2010/main" val="2095369937"/>
+        <p14:creationId xmlns:p14="http://schemas.microsoft.com/office/powerpoint/2010/main" val="1631873947"/>
       </p:ext>
     </p:extLst>
   </p:cSld>
